--- a/Final Presentation/finalPresentation.pptx
+++ b/Final Presentation/finalPresentation.pptx
@@ -344,7 +344,8 @@
           <a:p>
             <a:fld id="{24118F9B-3984-CA45-B16B-0D255169E1EF}" type="datetimeFigureOut">
               <a:rPr lang="en-US" smtClean="0"/>
-              <a:t>7/16/15</a:t>
+              <a:pPr/>
+              <a:t>7/16/2015</a:t>
             </a:fld>
             <a:endParaRPr lang="en-US"/>
           </a:p>
@@ -386,6 +387,7 @@
           <a:p>
             <a:fld id="{7907ED9E-9631-9740-A1AA-B22EB843CF16}" type="slidenum">
               <a:rPr lang="en-US" smtClean="0"/>
+              <a:pPr/>
               <a:t>‹#›</a:t>
             </a:fld>
             <a:endParaRPr lang="en-US"/>
@@ -433,7 +435,7 @@
     </p:spTree>
     <p:extLst>
       <p:ext uri="{BB962C8B-B14F-4D97-AF65-F5344CB8AC3E}">
-        <p14:creationId xmlns:p14="http://schemas.microsoft.com/office/powerpoint/2010/main" val="601385644"/>
+        <p14:creationId xmlns:p14="http://schemas.microsoft.com/office/powerpoint/2010/main" xmlns="" val="601385644"/>
       </p:ext>
     </p:extLst>
   </p:cSld>
@@ -552,7 +554,8 @@
           <a:p>
             <a:fld id="{24118F9B-3984-CA45-B16B-0D255169E1EF}" type="datetimeFigureOut">
               <a:rPr lang="en-US" smtClean="0"/>
-              <a:t>7/16/15</a:t>
+              <a:pPr/>
+              <a:t>7/16/2015</a:t>
             </a:fld>
             <a:endParaRPr lang="en-US"/>
           </a:p>
@@ -594,6 +597,7 @@
           <a:p>
             <a:fld id="{7907ED9E-9631-9740-A1AA-B22EB843CF16}" type="slidenum">
               <a:rPr lang="en-US" smtClean="0"/>
+              <a:pPr/>
               <a:t>‹#›</a:t>
             </a:fld>
             <a:endParaRPr lang="en-US"/>
@@ -603,7 +607,7 @@
     </p:spTree>
     <p:extLst>
       <p:ext uri="{BB962C8B-B14F-4D97-AF65-F5344CB8AC3E}">
-        <p14:creationId xmlns:p14="http://schemas.microsoft.com/office/powerpoint/2010/main" val="1820388464"/>
+        <p14:creationId xmlns:p14="http://schemas.microsoft.com/office/powerpoint/2010/main" xmlns="" val="1820388464"/>
       </p:ext>
     </p:extLst>
   </p:cSld>
@@ -808,7 +812,8 @@
           <a:p>
             <a:fld id="{24118F9B-3984-CA45-B16B-0D255169E1EF}" type="datetimeFigureOut">
               <a:rPr lang="en-US" smtClean="0"/>
-              <a:t>7/16/15</a:t>
+              <a:pPr/>
+              <a:t>7/16/2015</a:t>
             </a:fld>
             <a:endParaRPr lang="en-US"/>
           </a:p>
@@ -850,6 +855,7 @@
           <a:p>
             <a:fld id="{7907ED9E-9631-9740-A1AA-B22EB843CF16}" type="slidenum">
               <a:rPr lang="en-US" smtClean="0"/>
+              <a:pPr/>
               <a:t>‹#›</a:t>
             </a:fld>
             <a:endParaRPr lang="en-US"/>
@@ -859,7 +865,7 @@
     </p:spTree>
     <p:extLst>
       <p:ext uri="{BB962C8B-B14F-4D97-AF65-F5344CB8AC3E}">
-        <p14:creationId xmlns:p14="http://schemas.microsoft.com/office/powerpoint/2010/main" val="933110197"/>
+        <p14:creationId xmlns:p14="http://schemas.microsoft.com/office/powerpoint/2010/main" xmlns="" val="933110197"/>
       </p:ext>
     </p:extLst>
   </p:cSld>
@@ -978,7 +984,8 @@
           <a:p>
             <a:fld id="{24118F9B-3984-CA45-B16B-0D255169E1EF}" type="datetimeFigureOut">
               <a:rPr lang="en-US" smtClean="0"/>
-              <a:t>7/16/15</a:t>
+              <a:pPr/>
+              <a:t>7/16/2015</a:t>
             </a:fld>
             <a:endParaRPr lang="en-US"/>
           </a:p>
@@ -1020,6 +1027,7 @@
           <a:p>
             <a:fld id="{7907ED9E-9631-9740-A1AA-B22EB843CF16}" type="slidenum">
               <a:rPr lang="en-US" smtClean="0"/>
+              <a:pPr/>
               <a:t>‹#›</a:t>
             </a:fld>
             <a:endParaRPr lang="en-US"/>
@@ -1029,7 +1037,7 @@
     </p:spTree>
     <p:extLst>
       <p:ext uri="{BB962C8B-B14F-4D97-AF65-F5344CB8AC3E}">
-        <p14:creationId xmlns:p14="http://schemas.microsoft.com/office/powerpoint/2010/main" val="1172755590"/>
+        <p14:creationId xmlns:p14="http://schemas.microsoft.com/office/powerpoint/2010/main" xmlns="" val="1172755590"/>
       </p:ext>
     </p:extLst>
   </p:cSld>
@@ -1321,7 +1329,8 @@
           <a:p>
             <a:fld id="{24118F9B-3984-CA45-B16B-0D255169E1EF}" type="datetimeFigureOut">
               <a:rPr lang="en-US" smtClean="0"/>
-              <a:t>7/16/15</a:t>
+              <a:pPr/>
+              <a:t>7/16/2015</a:t>
             </a:fld>
             <a:endParaRPr lang="en-US"/>
           </a:p>
@@ -1363,6 +1372,7 @@
           <a:p>
             <a:fld id="{7907ED9E-9631-9740-A1AA-B22EB843CF16}" type="slidenum">
               <a:rPr lang="en-US" smtClean="0"/>
+              <a:pPr/>
               <a:t>‹#›</a:t>
             </a:fld>
             <a:endParaRPr lang="en-US"/>
@@ -1410,7 +1420,7 @@
     </p:spTree>
     <p:extLst>
       <p:ext uri="{BB962C8B-B14F-4D97-AF65-F5344CB8AC3E}">
-        <p14:creationId xmlns:p14="http://schemas.microsoft.com/office/powerpoint/2010/main" val="1544617505"/>
+        <p14:creationId xmlns:p14="http://schemas.microsoft.com/office/powerpoint/2010/main" xmlns="" val="1544617505"/>
       </p:ext>
     </p:extLst>
   </p:cSld>
@@ -1596,7 +1606,8 @@
           <a:p>
             <a:fld id="{24118F9B-3984-CA45-B16B-0D255169E1EF}" type="datetimeFigureOut">
               <a:rPr lang="en-US" smtClean="0"/>
-              <a:t>7/16/15</a:t>
+              <a:pPr/>
+              <a:t>7/16/2015</a:t>
             </a:fld>
             <a:endParaRPr lang="en-US"/>
           </a:p>
@@ -1638,6 +1649,7 @@
           <a:p>
             <a:fld id="{7907ED9E-9631-9740-A1AA-B22EB843CF16}" type="slidenum">
               <a:rPr lang="en-US" smtClean="0"/>
+              <a:pPr/>
               <a:t>‹#›</a:t>
             </a:fld>
             <a:endParaRPr lang="en-US"/>
@@ -1647,7 +1659,7 @@
     </p:spTree>
     <p:extLst>
       <p:ext uri="{BB962C8B-B14F-4D97-AF65-F5344CB8AC3E}">
-        <p14:creationId xmlns:p14="http://schemas.microsoft.com/office/powerpoint/2010/main" val="243268139"/>
+        <p14:creationId xmlns:p14="http://schemas.microsoft.com/office/powerpoint/2010/main" xmlns="" val="243268139"/>
       </p:ext>
     </p:extLst>
   </p:cSld>
@@ -1975,7 +1987,8 @@
           <a:p>
             <a:fld id="{24118F9B-3984-CA45-B16B-0D255169E1EF}" type="datetimeFigureOut">
               <a:rPr lang="en-US" smtClean="0"/>
-              <a:t>7/16/15</a:t>
+              <a:pPr/>
+              <a:t>7/16/2015</a:t>
             </a:fld>
             <a:endParaRPr lang="en-US"/>
           </a:p>
@@ -2017,6 +2030,7 @@
           <a:p>
             <a:fld id="{7907ED9E-9631-9740-A1AA-B22EB843CF16}" type="slidenum">
               <a:rPr lang="en-US" smtClean="0"/>
+              <a:pPr/>
               <a:t>‹#›</a:t>
             </a:fld>
             <a:endParaRPr lang="en-US"/>
@@ -2026,7 +2040,7 @@
     </p:spTree>
     <p:extLst>
       <p:ext uri="{BB962C8B-B14F-4D97-AF65-F5344CB8AC3E}">
-        <p14:creationId xmlns:p14="http://schemas.microsoft.com/office/powerpoint/2010/main" val="1012502954"/>
+        <p14:creationId xmlns:p14="http://schemas.microsoft.com/office/powerpoint/2010/main" xmlns="" val="1012502954"/>
       </p:ext>
     </p:extLst>
   </p:cSld>
@@ -2093,7 +2107,8 @@
           <a:p>
             <a:fld id="{24118F9B-3984-CA45-B16B-0D255169E1EF}" type="datetimeFigureOut">
               <a:rPr lang="en-US" smtClean="0"/>
-              <a:t>7/16/15</a:t>
+              <a:pPr/>
+              <a:t>7/16/2015</a:t>
             </a:fld>
             <a:endParaRPr lang="en-US"/>
           </a:p>
@@ -2135,6 +2150,7 @@
           <a:p>
             <a:fld id="{7907ED9E-9631-9740-A1AA-B22EB843CF16}" type="slidenum">
               <a:rPr lang="en-US" smtClean="0"/>
+              <a:pPr/>
               <a:t>‹#›</a:t>
             </a:fld>
             <a:endParaRPr lang="en-US"/>
@@ -2144,7 +2160,7 @@
     </p:spTree>
     <p:extLst>
       <p:ext uri="{BB962C8B-B14F-4D97-AF65-F5344CB8AC3E}">
-        <p14:creationId xmlns:p14="http://schemas.microsoft.com/office/powerpoint/2010/main" val="1272469786"/>
+        <p14:creationId xmlns:p14="http://schemas.microsoft.com/office/powerpoint/2010/main" xmlns="" val="1272469786"/>
       </p:ext>
     </p:extLst>
   </p:cSld>
@@ -2264,7 +2280,8 @@
           <a:p>
             <a:fld id="{24118F9B-3984-CA45-B16B-0D255169E1EF}" type="datetimeFigureOut">
               <a:rPr lang="en-US" smtClean="0"/>
-              <a:t>7/16/15</a:t>
+              <a:pPr/>
+              <a:t>7/16/2015</a:t>
             </a:fld>
             <a:endParaRPr lang="en-US"/>
           </a:p>
@@ -2314,6 +2331,7 @@
           <a:p>
             <a:fld id="{7907ED9E-9631-9740-A1AA-B22EB843CF16}" type="slidenum">
               <a:rPr lang="en-US" smtClean="0"/>
+              <a:pPr/>
               <a:t>‹#›</a:t>
             </a:fld>
             <a:endParaRPr lang="en-US"/>
@@ -2323,7 +2341,7 @@
     </p:spTree>
     <p:extLst>
       <p:ext uri="{BB962C8B-B14F-4D97-AF65-F5344CB8AC3E}">
-        <p14:creationId xmlns:p14="http://schemas.microsoft.com/office/powerpoint/2010/main" val="2027907669"/>
+        <p14:creationId xmlns:p14="http://schemas.microsoft.com/office/powerpoint/2010/main" xmlns="" val="2027907669"/>
       </p:ext>
     </p:extLst>
   </p:cSld>
@@ -2618,7 +2636,8 @@
           <a:p>
             <a:fld id="{24118F9B-3984-CA45-B16B-0D255169E1EF}" type="datetimeFigureOut">
               <a:rPr lang="en-US" smtClean="0"/>
-              <a:t>7/16/15</a:t>
+              <a:pPr/>
+              <a:t>7/16/2015</a:t>
             </a:fld>
             <a:endParaRPr lang="en-US"/>
           </a:p>
@@ -2681,6 +2700,7 @@
           <a:p>
             <a:fld id="{7907ED9E-9631-9740-A1AA-B22EB843CF16}" type="slidenum">
               <a:rPr lang="en-US" smtClean="0"/>
+              <a:pPr/>
               <a:t>‹#›</a:t>
             </a:fld>
             <a:endParaRPr lang="en-US"/>
@@ -2690,7 +2710,7 @@
     </p:spTree>
     <p:extLst>
       <p:ext uri="{BB962C8B-B14F-4D97-AF65-F5344CB8AC3E}">
-        <p14:creationId xmlns:p14="http://schemas.microsoft.com/office/powerpoint/2010/main" val="968338082"/>
+        <p14:creationId xmlns:p14="http://schemas.microsoft.com/office/powerpoint/2010/main" xmlns="" val="968338082"/>
       </p:ext>
     </p:extLst>
   </p:cSld>
@@ -2995,7 +3015,8 @@
           <a:p>
             <a:fld id="{24118F9B-3984-CA45-B16B-0D255169E1EF}" type="datetimeFigureOut">
               <a:rPr lang="en-US" smtClean="0"/>
-              <a:t>7/16/15</a:t>
+              <a:pPr/>
+              <a:t>7/16/2015</a:t>
             </a:fld>
             <a:endParaRPr lang="en-US"/>
           </a:p>
@@ -3037,6 +3058,7 @@
           <a:p>
             <a:fld id="{7907ED9E-9631-9740-A1AA-B22EB843CF16}" type="slidenum">
               <a:rPr lang="en-US" smtClean="0"/>
+              <a:pPr/>
               <a:t>‹#›</a:t>
             </a:fld>
             <a:endParaRPr lang="en-US"/>
@@ -3046,7 +3068,7 @@
     </p:spTree>
     <p:extLst>
       <p:ext uri="{BB962C8B-B14F-4D97-AF65-F5344CB8AC3E}">
-        <p14:creationId xmlns:p14="http://schemas.microsoft.com/office/powerpoint/2010/main" val="722308542"/>
+        <p14:creationId xmlns:p14="http://schemas.microsoft.com/office/powerpoint/2010/main" xmlns="" val="722308542"/>
       </p:ext>
     </p:extLst>
   </p:cSld>
@@ -3282,7 +3304,8 @@
           <a:p>
             <a:fld id="{24118F9B-3984-CA45-B16B-0D255169E1EF}" type="datetimeFigureOut">
               <a:rPr lang="en-US" smtClean="0"/>
-              <a:t>7/16/15</a:t>
+              <a:pPr/>
+              <a:t>7/16/2015</a:t>
             </a:fld>
             <a:endParaRPr lang="en-US"/>
           </a:p>
@@ -3356,6 +3379,7 @@
           <a:p>
             <a:fld id="{7907ED9E-9631-9740-A1AA-B22EB843CF16}" type="slidenum">
               <a:rPr lang="en-US" smtClean="0"/>
+              <a:pPr/>
               <a:t>‹#›</a:t>
             </a:fld>
             <a:endParaRPr lang="en-US"/>
@@ -3403,7 +3427,7 @@
     </p:spTree>
     <p:extLst>
       <p:ext uri="{BB962C8B-B14F-4D97-AF65-F5344CB8AC3E}">
-        <p14:creationId xmlns:p14="http://schemas.microsoft.com/office/powerpoint/2010/main" val="2086206725"/>
+        <p14:creationId xmlns:p14="http://schemas.microsoft.com/office/powerpoint/2010/main" xmlns="" val="2086206725"/>
       </p:ext>
     </p:extLst>
   </p:cSld>
@@ -3953,7 +3977,7 @@
     </p:spTree>
     <p:extLst>
       <p:ext uri="{BB962C8B-B14F-4D97-AF65-F5344CB8AC3E}">
-        <p14:creationId xmlns:p14="http://schemas.microsoft.com/office/powerpoint/2010/main" val="1186452551"/>
+        <p14:creationId xmlns:p14="http://schemas.microsoft.com/office/powerpoint/2010/main" xmlns="" val="1186452551"/>
       </p:ext>
     </p:extLst>
   </p:cSld>
@@ -4160,7 +4184,7 @@
           <a:blip r:embed="rId2">
             <a:extLst>
               <a:ext uri="{28A0092B-C50C-407E-A947-70E740481C1C}">
-                <a14:useLocalDpi xmlns:a14="http://schemas.microsoft.com/office/drawing/2010/main" val="0"/>
+                <a14:useLocalDpi xmlns:a14="http://schemas.microsoft.com/office/drawing/2010/main" xmlns="" val="0"/>
               </a:ext>
             </a:extLst>
           </a:blip>
@@ -4186,7 +4210,7 @@
           <a:blip r:embed="rId3">
             <a:extLst>
               <a:ext uri="{28A0092B-C50C-407E-A947-70E740481C1C}">
-                <a14:useLocalDpi xmlns:a14="http://schemas.microsoft.com/office/drawing/2010/main" val="0"/>
+                <a14:useLocalDpi xmlns:a14="http://schemas.microsoft.com/office/drawing/2010/main" xmlns="" val="0"/>
               </a:ext>
             </a:extLst>
           </a:blip>
@@ -4204,7 +4228,7 @@
           <a:noFill/>
           <a:extLst>
             <a:ext uri="{909E8E84-426E-40DD-AFC4-6F175D3DCCD1}">
-              <a14:hiddenFill xmlns:a14="http://schemas.microsoft.com/office/drawing/2010/main">
+              <a14:hiddenFill xmlns:a14="http://schemas.microsoft.com/office/drawing/2010/main" xmlns="">
                 <a:solidFill>
                   <a:srgbClr val="FFFFFF"/>
                 </a:solidFill>
@@ -4246,7 +4270,7 @@
     </p:spTree>
     <p:extLst>
       <p:ext uri="{BB962C8B-B14F-4D97-AF65-F5344CB8AC3E}">
-        <p14:creationId xmlns:p14="http://schemas.microsoft.com/office/powerpoint/2010/main" val="346502533"/>
+        <p14:creationId xmlns:p14="http://schemas.microsoft.com/office/powerpoint/2010/main" xmlns="" val="346502533"/>
       </p:ext>
     </p:extLst>
   </p:cSld>
@@ -4423,7 +4447,7 @@
           <a:blip r:embed="rId2">
             <a:extLst>
               <a:ext uri="{28A0092B-C50C-407E-A947-70E740481C1C}">
-                <a14:useLocalDpi xmlns:a14="http://schemas.microsoft.com/office/drawing/2010/main" val="0"/>
+                <a14:useLocalDpi xmlns:a14="http://schemas.microsoft.com/office/drawing/2010/main" xmlns="" val="0"/>
               </a:ext>
             </a:extLst>
           </a:blip>
@@ -4443,7 +4467,7 @@
           <a:noFill/>
           <a:extLst>
             <a:ext uri="{909E8E84-426E-40DD-AFC4-6F175D3DCCD1}">
-              <a14:hiddenFill xmlns:a14="http://schemas.microsoft.com/office/drawing/2010/main">
+              <a14:hiddenFill xmlns:a14="http://schemas.microsoft.com/office/drawing/2010/main" xmlns="">
                 <a:solidFill>
                   <a:srgbClr val="FFFFFF"/>
                 </a:solidFill>
@@ -4455,7 +4479,7 @@
     </p:spTree>
     <p:extLst>
       <p:ext uri="{BB962C8B-B14F-4D97-AF65-F5344CB8AC3E}">
-        <p14:creationId xmlns:p14="http://schemas.microsoft.com/office/powerpoint/2010/main" val="1758179117"/>
+        <p14:creationId xmlns:p14="http://schemas.microsoft.com/office/powerpoint/2010/main" xmlns="" val="1758179117"/>
       </p:ext>
     </p:extLst>
   </p:cSld>
@@ -4534,7 +4558,7 @@
     </p:spTree>
     <p:extLst>
       <p:ext uri="{BB962C8B-B14F-4D97-AF65-F5344CB8AC3E}">
-        <p14:creationId xmlns:p14="http://schemas.microsoft.com/office/powerpoint/2010/main" val="201407458"/>
+        <p14:creationId xmlns:p14="http://schemas.microsoft.com/office/powerpoint/2010/main" xmlns="" val="201407458"/>
       </p:ext>
     </p:extLst>
   </p:cSld>
@@ -4585,7 +4609,7 @@
           <a:p>
             <a:r>
               <a:rPr lang="en-US" dirty="0" smtClean="0"/>
-              <a:t>Background</a:t>
+              <a:t>Background &amp; Motivation</a:t>
             </a:r>
             <a:endParaRPr lang="en-US" dirty="0"/>
           </a:p>
@@ -4606,14 +4630,178 @@
           <a:bodyPr/>
           <a:lstStyle/>
           <a:p>
-            <a:endParaRPr lang="en-US"/>
-          </a:p>
-        </p:txBody>
-      </p:sp>
+            <a:endParaRPr lang="en-US" dirty="0"/>
+          </a:p>
+        </p:txBody>
+      </p:sp>
+      <p:pic>
+        <p:nvPicPr>
+          <p:cNvPr id="11266" name="Picture 2" descr="http://traffic-accident.biz/highresolution/l_062.png"/>
+          <p:cNvPicPr>
+            <a:picLocks noChangeAspect="1" noChangeArrowheads="1"/>
+          </p:cNvPicPr>
+          <p:nvPr/>
+        </p:nvPicPr>
+        <p:blipFill>
+          <a:blip r:embed="rId2"/>
+          <a:srcRect/>
+          <a:stretch>
+            <a:fillRect/>
+          </a:stretch>
+        </p:blipFill>
+        <p:spPr bwMode="auto">
+          <a:xfrm>
+            <a:off x="1097280" y="1845734"/>
+            <a:ext cx="3810000" cy="2667000"/>
+          </a:xfrm>
+          <a:prstGeom prst="rect">
+            <a:avLst/>
+          </a:prstGeom>
+          <a:noFill/>
+        </p:spPr>
+      </p:pic>
+      <p:pic>
+        <p:nvPicPr>
+          <p:cNvPr id="11268" name="Picture 4" descr="http://traffic-accident.biz/highresolution/l_070.png"/>
+          <p:cNvPicPr>
+            <a:picLocks noChangeAspect="1" noChangeArrowheads="1"/>
+          </p:cNvPicPr>
+          <p:nvPr/>
+        </p:nvPicPr>
+        <p:blipFill>
+          <a:blip r:embed="rId3"/>
+          <a:srcRect/>
+          <a:stretch>
+            <a:fillRect/>
+          </a:stretch>
+        </p:blipFill>
+        <p:spPr bwMode="auto">
+          <a:xfrm>
+            <a:off x="7345680" y="1845734"/>
+            <a:ext cx="3810000" cy="2667000"/>
+          </a:xfrm>
+          <a:prstGeom prst="rect">
+            <a:avLst/>
+          </a:prstGeom>
+          <a:noFill/>
+        </p:spPr>
+      </p:pic>
+      <p:sp>
+        <p:nvSpPr>
+          <p:cNvPr id="11270" name="AutoShape 6" descr="김여사에 대한 이미지 검색결과"/>
+          <p:cNvSpPr>
+            <a:spLocks noChangeAspect="1" noChangeArrowheads="1"/>
+          </p:cNvSpPr>
+          <p:nvPr/>
+        </p:nvSpPr>
+        <p:spPr bwMode="auto">
+          <a:xfrm>
+            <a:off x="168275" y="-144463"/>
+            <a:ext cx="304800" cy="304801"/>
+          </a:xfrm>
+          <a:prstGeom prst="rect">
+            <a:avLst/>
+          </a:prstGeom>
+          <a:noFill/>
+        </p:spPr>
+        <p:txBody>
+          <a:bodyPr vert="horz" wrap="square" lIns="91440" tIns="45720" rIns="91440" bIns="45720" numCol="1" anchor="t" anchorCtr="0" compatLnSpc="1">
+            <a:prstTxWarp prst="textNoShape">
+              <a:avLst/>
+            </a:prstTxWarp>
+          </a:bodyPr>
+          <a:lstStyle/>
+          <a:p>
+            <a:endParaRPr lang="ko-KR" altLang="en-US"/>
+          </a:p>
+        </p:txBody>
+      </p:sp>
+      <p:sp>
+        <p:nvSpPr>
+          <p:cNvPr id="11272" name="AutoShape 8" descr="김여사에 대한 이미지 검색결과"/>
+          <p:cNvSpPr>
+            <a:spLocks noChangeAspect="1" noChangeArrowheads="1"/>
+          </p:cNvSpPr>
+          <p:nvPr/>
+        </p:nvSpPr>
+        <p:spPr bwMode="auto">
+          <a:xfrm>
+            <a:off x="168275" y="-144463"/>
+            <a:ext cx="304800" cy="304801"/>
+          </a:xfrm>
+          <a:prstGeom prst="rect">
+            <a:avLst/>
+          </a:prstGeom>
+          <a:noFill/>
+        </p:spPr>
+        <p:txBody>
+          <a:bodyPr vert="horz" wrap="square" lIns="91440" tIns="45720" rIns="91440" bIns="45720" numCol="1" anchor="t" anchorCtr="0" compatLnSpc="1">
+            <a:prstTxWarp prst="textNoShape">
+              <a:avLst/>
+            </a:prstTxWarp>
+          </a:bodyPr>
+          <a:lstStyle/>
+          <a:p>
+            <a:endParaRPr lang="ko-KR" altLang="en-US"/>
+          </a:p>
+        </p:txBody>
+      </p:sp>
+      <p:pic>
+        <p:nvPicPr>
+          <p:cNvPr id="11274" name="Picture 10" descr="http://cfile10.uf.tistory.com/image/120F0F274C0551E203D899"/>
+          <p:cNvPicPr>
+            <a:picLocks noChangeAspect="1" noChangeArrowheads="1"/>
+          </p:cNvPicPr>
+          <p:nvPr/>
+        </p:nvPicPr>
+        <p:blipFill>
+          <a:blip r:embed="rId4"/>
+          <a:srcRect/>
+          <a:stretch>
+            <a:fillRect/>
+          </a:stretch>
+        </p:blipFill>
+        <p:spPr bwMode="auto">
+          <a:xfrm>
+            <a:off x="1678729" y="2194560"/>
+            <a:ext cx="4743450" cy="3162301"/>
+          </a:xfrm>
+          <a:prstGeom prst="rect">
+            <a:avLst/>
+          </a:prstGeom>
+          <a:noFill/>
+        </p:spPr>
+      </p:pic>
+      <p:pic>
+        <p:nvPicPr>
+          <p:cNvPr id="11276" name="Picture 12" descr="http://blog.besunny.com/wp-content/uploads/1/cfile5.uf.184E7E3450051CCA1F7358.jpg"/>
+          <p:cNvPicPr>
+            <a:picLocks noChangeAspect="1" noChangeArrowheads="1"/>
+          </p:cNvPicPr>
+          <p:nvPr/>
+        </p:nvPicPr>
+        <p:blipFill>
+          <a:blip r:embed="rId5"/>
+          <a:srcRect/>
+          <a:stretch>
+            <a:fillRect/>
+          </a:stretch>
+        </p:blipFill>
+        <p:spPr bwMode="auto">
+          <a:xfrm>
+            <a:off x="3605741" y="1868593"/>
+            <a:ext cx="6191250" cy="4000501"/>
+          </a:xfrm>
+          <a:prstGeom prst="rect">
+            <a:avLst/>
+          </a:prstGeom>
+          <a:noFill/>
+        </p:spPr>
+      </p:pic>
     </p:spTree>
     <p:extLst>
       <p:ext uri="{BB962C8B-B14F-4D97-AF65-F5344CB8AC3E}">
-        <p14:creationId xmlns:p14="http://schemas.microsoft.com/office/powerpoint/2010/main" val="555996658"/>
+        <p14:creationId xmlns:p14="http://schemas.microsoft.com/office/powerpoint/2010/main" xmlns="" val="555996658"/>
       </p:ext>
     </p:extLst>
   </p:cSld>
@@ -4664,7 +4852,7 @@
           <a:p>
             <a:r>
               <a:rPr lang="en-US" dirty="0" smtClean="0"/>
-              <a:t>Questions &amp; Motivation</a:t>
+              <a:t>Questions</a:t>
             </a:r>
             <a:endParaRPr lang="en-US" dirty="0"/>
           </a:p>
@@ -4735,7 +4923,7 @@
     </p:spTree>
     <p:extLst>
       <p:ext uri="{BB962C8B-B14F-4D97-AF65-F5344CB8AC3E}">
-        <p14:creationId xmlns:p14="http://schemas.microsoft.com/office/powerpoint/2010/main" val="201690613"/>
+        <p14:creationId xmlns:p14="http://schemas.microsoft.com/office/powerpoint/2010/main" xmlns="" val="201690613"/>
       </p:ext>
     </p:extLst>
   </p:cSld>
@@ -4878,7 +5066,7 @@
     </p:spTree>
     <p:extLst>
       <p:ext uri="{BB962C8B-B14F-4D97-AF65-F5344CB8AC3E}">
-        <p14:creationId xmlns:p14="http://schemas.microsoft.com/office/powerpoint/2010/main" val="413360099"/>
+        <p14:creationId xmlns:p14="http://schemas.microsoft.com/office/powerpoint/2010/main" xmlns="" val="413360099"/>
       </p:ext>
     </p:extLst>
   </p:cSld>
@@ -5048,7 +5236,7 @@
           <a:blip r:embed="rId2">
             <a:extLst>
               <a:ext uri="{28A0092B-C50C-407E-A947-70E740481C1C}">
-                <a14:useLocalDpi xmlns:a14="http://schemas.microsoft.com/office/drawing/2010/main" val="0"/>
+                <a14:useLocalDpi xmlns:a14="http://schemas.microsoft.com/office/drawing/2010/main" xmlns="" val="0"/>
               </a:ext>
             </a:extLst>
           </a:blip>
@@ -5069,14 +5257,14 @@
           </a:ln>
           <a:extLst>
             <a:ext uri="{909E8E84-426E-40DD-AFC4-6F175D3DCCD1}">
-              <a14:hiddenFill xmlns:a14="http://schemas.microsoft.com/office/drawing/2010/main">
+              <a14:hiddenFill xmlns:a14="http://schemas.microsoft.com/office/drawing/2010/main" xmlns="">
                 <a:solidFill>
                   <a:srgbClr val="FFFFFF"/>
                 </a:solidFill>
               </a14:hiddenFill>
             </a:ext>
             <a:ext uri="{91240B29-F687-4F45-9708-019B960494DF}">
-              <a14:hiddenLine xmlns:a14="http://schemas.microsoft.com/office/drawing/2010/main" w="9525">
+              <a14:hiddenLine xmlns:a14="http://schemas.microsoft.com/office/drawing/2010/main" xmlns="" w="9525">
                 <a:solidFill>
                   <a:srgbClr val="000000"/>
                 </a:solidFill>
@@ -5100,7 +5288,7 @@
           <a:blip r:embed="rId3">
             <a:extLst>
               <a:ext uri="{28A0092B-C50C-407E-A947-70E740481C1C}">
-                <a14:useLocalDpi xmlns:a14="http://schemas.microsoft.com/office/drawing/2010/main" val="0"/>
+                <a14:useLocalDpi xmlns:a14="http://schemas.microsoft.com/office/drawing/2010/main" xmlns="" val="0"/>
               </a:ext>
             </a:extLst>
           </a:blip>
@@ -5121,14 +5309,14 @@
           </a:ln>
           <a:extLst>
             <a:ext uri="{909E8E84-426E-40DD-AFC4-6F175D3DCCD1}">
-              <a14:hiddenFill xmlns:a14="http://schemas.microsoft.com/office/drawing/2010/main">
+              <a14:hiddenFill xmlns:a14="http://schemas.microsoft.com/office/drawing/2010/main" xmlns="">
                 <a:solidFill>
                   <a:srgbClr val="FFFFFF"/>
                 </a:solidFill>
               </a14:hiddenFill>
             </a:ext>
             <a:ext uri="{91240B29-F687-4F45-9708-019B960494DF}">
-              <a14:hiddenLine xmlns:a14="http://schemas.microsoft.com/office/drawing/2010/main" w="9525">
+              <a14:hiddenLine xmlns:a14="http://schemas.microsoft.com/office/drawing/2010/main" xmlns="" w="9525">
                 <a:solidFill>
                   <a:srgbClr val="000000"/>
                 </a:solidFill>
@@ -5143,7 +5331,7 @@
     </p:spTree>
     <p:extLst>
       <p:ext uri="{BB962C8B-B14F-4D97-AF65-F5344CB8AC3E}">
-        <p14:creationId xmlns:p14="http://schemas.microsoft.com/office/powerpoint/2010/main" val="1779451238"/>
+        <p14:creationId xmlns:p14="http://schemas.microsoft.com/office/powerpoint/2010/main" xmlns="" val="1779451238"/>
       </p:ext>
     </p:extLst>
   </p:cSld>
@@ -5376,7 +5564,7 @@
           <a:blip r:embed="rId2">
             <a:extLst>
               <a:ext uri="{28A0092B-C50C-407E-A947-70E740481C1C}">
-                <a14:useLocalDpi xmlns:a14="http://schemas.microsoft.com/office/drawing/2010/main" val="0"/>
+                <a14:useLocalDpi xmlns:a14="http://schemas.microsoft.com/office/drawing/2010/main" xmlns="" val="0"/>
               </a:ext>
             </a:extLst>
           </a:blip>
@@ -5397,14 +5585,14 @@
           </a:ln>
           <a:extLst>
             <a:ext uri="{909E8E84-426E-40DD-AFC4-6F175D3DCCD1}">
-              <a14:hiddenFill xmlns:a14="http://schemas.microsoft.com/office/drawing/2010/main">
+              <a14:hiddenFill xmlns:a14="http://schemas.microsoft.com/office/drawing/2010/main" xmlns="">
                 <a:solidFill>
                   <a:srgbClr val="FFFFFF"/>
                 </a:solidFill>
               </a14:hiddenFill>
             </a:ext>
             <a:ext uri="{91240B29-F687-4F45-9708-019B960494DF}">
-              <a14:hiddenLine xmlns:a14="http://schemas.microsoft.com/office/drawing/2010/main" w="9525">
+              <a14:hiddenLine xmlns:a14="http://schemas.microsoft.com/office/drawing/2010/main" xmlns="" w="9525">
                 <a:solidFill>
                   <a:srgbClr val="000000"/>
                 </a:solidFill>
@@ -5428,7 +5616,7 @@
           <a:blip r:embed="rId3">
             <a:extLst>
               <a:ext uri="{28A0092B-C50C-407E-A947-70E740481C1C}">
-                <a14:useLocalDpi xmlns:a14="http://schemas.microsoft.com/office/drawing/2010/main" val="0"/>
+                <a14:useLocalDpi xmlns:a14="http://schemas.microsoft.com/office/drawing/2010/main" xmlns="" val="0"/>
               </a:ext>
             </a:extLst>
           </a:blip>
@@ -5446,7 +5634,7 @@
           <a:noFill/>
           <a:extLst>
             <a:ext uri="{909E8E84-426E-40DD-AFC4-6F175D3DCCD1}">
-              <a14:hiddenFill xmlns:a14="http://schemas.microsoft.com/office/drawing/2010/main">
+              <a14:hiddenFill xmlns:a14="http://schemas.microsoft.com/office/drawing/2010/main" xmlns="">
                 <a:solidFill>
                   <a:srgbClr val="FFFFFF"/>
                 </a:solidFill>
@@ -5580,7 +5768,7 @@
     </p:spTree>
     <p:extLst>
       <p:ext uri="{BB962C8B-B14F-4D97-AF65-F5344CB8AC3E}">
-        <p14:creationId xmlns:p14="http://schemas.microsoft.com/office/powerpoint/2010/main" val="1518260757"/>
+        <p14:creationId xmlns:p14="http://schemas.microsoft.com/office/powerpoint/2010/main" xmlns="" val="1518260757"/>
       </p:ext>
     </p:extLst>
   </p:cSld>
@@ -5757,7 +5945,7 @@
           <a:blip r:embed="rId2">
             <a:extLst>
               <a:ext uri="{28A0092B-C50C-407E-A947-70E740481C1C}">
-                <a14:useLocalDpi xmlns:a14="http://schemas.microsoft.com/office/drawing/2010/main" val="0"/>
+                <a14:useLocalDpi xmlns:a14="http://schemas.microsoft.com/office/drawing/2010/main" xmlns="" val="0"/>
               </a:ext>
             </a:extLst>
           </a:blip>
@@ -5777,7 +5965,7 @@
           <a:noFill/>
           <a:extLst>
             <a:ext uri="{909E8E84-426E-40DD-AFC4-6F175D3DCCD1}">
-              <a14:hiddenFill xmlns:a14="http://schemas.microsoft.com/office/drawing/2010/main">
+              <a14:hiddenFill xmlns:a14="http://schemas.microsoft.com/office/drawing/2010/main" xmlns="">
                 <a:solidFill>
                   <a:srgbClr val="FFFFFF"/>
                 </a:solidFill>
@@ -5789,7 +5977,7 @@
     </p:spTree>
     <p:extLst>
       <p:ext uri="{BB962C8B-B14F-4D97-AF65-F5344CB8AC3E}">
-        <p14:creationId xmlns:p14="http://schemas.microsoft.com/office/powerpoint/2010/main" val="1199420528"/>
+        <p14:creationId xmlns:p14="http://schemas.microsoft.com/office/powerpoint/2010/main" xmlns="" val="1199420528"/>
       </p:ext>
     </p:extLst>
   </p:cSld>
@@ -5966,7 +6154,7 @@
           <a:blip r:embed="rId2">
             <a:extLst>
               <a:ext uri="{28A0092B-C50C-407E-A947-70E740481C1C}">
-                <a14:useLocalDpi xmlns:a14="http://schemas.microsoft.com/office/drawing/2010/main" val="0"/>
+                <a14:useLocalDpi xmlns:a14="http://schemas.microsoft.com/office/drawing/2010/main" xmlns="" val="0"/>
               </a:ext>
             </a:extLst>
           </a:blip>
@@ -5986,7 +6174,7 @@
           <a:noFill/>
           <a:extLst>
             <a:ext uri="{909E8E84-426E-40DD-AFC4-6F175D3DCCD1}">
-              <a14:hiddenFill xmlns:a14="http://schemas.microsoft.com/office/drawing/2010/main">
+              <a14:hiddenFill xmlns:a14="http://schemas.microsoft.com/office/drawing/2010/main" xmlns="">
                 <a:solidFill>
                   <a:srgbClr val="FFFFFF"/>
                 </a:solidFill>
@@ -5998,7 +6186,7 @@
     </p:spTree>
     <p:extLst>
       <p:ext uri="{BB962C8B-B14F-4D97-AF65-F5344CB8AC3E}">
-        <p14:creationId xmlns:p14="http://schemas.microsoft.com/office/powerpoint/2010/main" val="1230674396"/>
+        <p14:creationId xmlns:p14="http://schemas.microsoft.com/office/powerpoint/2010/main" xmlns="" val="1230674396"/>
       </p:ext>
     </p:extLst>
   </p:cSld>
@@ -6175,7 +6363,7 @@
           <a:blip r:embed="rId2">
             <a:extLst>
               <a:ext uri="{28A0092B-C50C-407E-A947-70E740481C1C}">
-                <a14:useLocalDpi xmlns:a14="http://schemas.microsoft.com/office/drawing/2010/main" val="0"/>
+                <a14:useLocalDpi xmlns:a14="http://schemas.microsoft.com/office/drawing/2010/main" xmlns="" val="0"/>
               </a:ext>
             </a:extLst>
           </a:blip>
@@ -6195,7 +6383,7 @@
           <a:noFill/>
           <a:extLst>
             <a:ext uri="{909E8E84-426E-40DD-AFC4-6F175D3DCCD1}">
-              <a14:hiddenFill xmlns:a14="http://schemas.microsoft.com/office/drawing/2010/main">
+              <a14:hiddenFill xmlns:a14="http://schemas.microsoft.com/office/drawing/2010/main" xmlns="">
                 <a:solidFill>
                   <a:srgbClr val="FFFFFF"/>
                 </a:solidFill>
@@ -6207,7 +6395,7 @@
     </p:spTree>
     <p:extLst>
       <p:ext uri="{BB962C8B-B14F-4D97-AF65-F5344CB8AC3E}">
-        <p14:creationId xmlns:p14="http://schemas.microsoft.com/office/powerpoint/2010/main" val="628257755"/>
+        <p14:creationId xmlns:p14="http://schemas.microsoft.com/office/powerpoint/2010/main" xmlns="" val="628257755"/>
       </p:ext>
     </p:extLst>
   </p:cSld>
@@ -6267,7 +6455,7 @@
     </a:clrScheme>
     <a:fontScheme name="Retrospect">
       <a:majorFont>
-        <a:latin typeface="Calibri Light" panose="020F0302020204030204"/>
+        <a:latin typeface="Calibri Light"/>
         <a:ea typeface=""/>
         <a:cs typeface=""/>
         <a:font script="Jpan" typeface="ＭＳ Ｐゴシック"/>
@@ -6302,7 +6490,7 @@
         <a:font script="Geor" typeface="Sylfaen"/>
       </a:majorFont>
       <a:minorFont>
-        <a:latin typeface="Calibri" panose="020F0502020204030204"/>
+        <a:latin typeface="Calibri"/>
         <a:ea typeface=""/>
         <a:cs typeface=""/>
         <a:font script="Jpan" typeface="ＭＳ Ｐゴシック"/>
@@ -6501,7 +6689,7 @@
   <a:extraClrSchemeLst/>
   <a:extLst>
     <a:ext uri="{05A4C25C-085E-4340-85A3-A5531E510DB2}">
-      <thm15:themeFamily xmlns:thm15="http://schemas.microsoft.com/office/thememl/2012/main" name="Retrospect" id="{5F128B03-DCCA-4EEB-AB3B-CF2899314A46}" vid="{9CC26709-368C-4D72-9060-94E5B3FF3CD6}"/>
+      <thm15:themeFamily xmlns:thm15="http://schemas.microsoft.com/office/thememl/2012/main" xmlns="" name="Retrospect" id="{5F128B03-DCCA-4EEB-AB3B-CF2899314A46}" vid="{9CC26709-368C-4D72-9060-94E5B3FF3CD6}"/>
     </a:ext>
   </a:extLst>
 </a:theme>

--- a/Final Presentation/finalPresentation.pptx
+++ b/Final Presentation/finalPresentation.pptx
@@ -7,8 +7,8 @@
   <p:sldIdLst>
     <p:sldId id="256" r:id="rId2"/>
     <p:sldId id="257" r:id="rId3"/>
-    <p:sldId id="258" r:id="rId4"/>
-    <p:sldId id="260" r:id="rId5"/>
+    <p:sldId id="260" r:id="rId4"/>
+    <p:sldId id="258" r:id="rId5"/>
     <p:sldId id="261" r:id="rId6"/>
     <p:sldId id="262" r:id="rId7"/>
     <p:sldId id="264" r:id="rId8"/>
@@ -17,6 +17,8 @@
     <p:sldId id="269" r:id="rId11"/>
     <p:sldId id="267" r:id="rId12"/>
     <p:sldId id="268" r:id="rId13"/>
+    <p:sldId id="271" r:id="rId14"/>
+    <p:sldId id="270" r:id="rId15"/>
   </p:sldIdLst>
   <p:sldSz cx="12192000" cy="6858000"/>
   <p:notesSz cx="6858000" cy="9144000"/>
@@ -115,6 +117,11 @@
       </a:defRPr>
     </a:lvl9pPr>
   </p:defaultTextStyle>
+  <p:extLst>
+    <p:ext uri="{EFAFB233-063F-42B5-8137-9DF3F51BA10A}">
+      <p15:sldGuideLst xmlns:p15="http://schemas.microsoft.com/office/powerpoint/2012/main"/>
+    </p:ext>
+  </p:extLst>
 </p:presentation>
 </file>
 
@@ -344,8 +351,7 @@
           <a:p>
             <a:fld id="{24118F9B-3984-CA45-B16B-0D255169E1EF}" type="datetimeFigureOut">
               <a:rPr lang="en-US" smtClean="0"/>
-              <a:pPr/>
-              <a:t>7/16/2015</a:t>
+              <a:t>7/16/15</a:t>
             </a:fld>
             <a:endParaRPr lang="en-US"/>
           </a:p>
@@ -387,7 +393,6 @@
           <a:p>
             <a:fld id="{7907ED9E-9631-9740-A1AA-B22EB843CF16}" type="slidenum">
               <a:rPr lang="en-US" smtClean="0"/>
-              <a:pPr/>
               <a:t>‹#›</a:t>
             </a:fld>
             <a:endParaRPr lang="en-US"/>
@@ -435,7 +440,7 @@
     </p:spTree>
     <p:extLst>
       <p:ext uri="{BB962C8B-B14F-4D97-AF65-F5344CB8AC3E}">
-        <p14:creationId xmlns:p14="http://schemas.microsoft.com/office/powerpoint/2010/main" xmlns="" val="601385644"/>
+        <p14:creationId xmlns:p14="http://schemas.microsoft.com/office/powerpoint/2010/main" val="601385644"/>
       </p:ext>
     </p:extLst>
   </p:cSld>
@@ -554,8 +559,7 @@
           <a:p>
             <a:fld id="{24118F9B-3984-CA45-B16B-0D255169E1EF}" type="datetimeFigureOut">
               <a:rPr lang="en-US" smtClean="0"/>
-              <a:pPr/>
-              <a:t>7/16/2015</a:t>
+              <a:t>7/16/15</a:t>
             </a:fld>
             <a:endParaRPr lang="en-US"/>
           </a:p>
@@ -597,7 +601,6 @@
           <a:p>
             <a:fld id="{7907ED9E-9631-9740-A1AA-B22EB843CF16}" type="slidenum">
               <a:rPr lang="en-US" smtClean="0"/>
-              <a:pPr/>
               <a:t>‹#›</a:t>
             </a:fld>
             <a:endParaRPr lang="en-US"/>
@@ -607,7 +610,7 @@
     </p:spTree>
     <p:extLst>
       <p:ext uri="{BB962C8B-B14F-4D97-AF65-F5344CB8AC3E}">
-        <p14:creationId xmlns:p14="http://schemas.microsoft.com/office/powerpoint/2010/main" xmlns="" val="1820388464"/>
+        <p14:creationId xmlns:p14="http://schemas.microsoft.com/office/powerpoint/2010/main" val="1820388464"/>
       </p:ext>
     </p:extLst>
   </p:cSld>
@@ -812,8 +815,7 @@
           <a:p>
             <a:fld id="{24118F9B-3984-CA45-B16B-0D255169E1EF}" type="datetimeFigureOut">
               <a:rPr lang="en-US" smtClean="0"/>
-              <a:pPr/>
-              <a:t>7/16/2015</a:t>
+              <a:t>7/16/15</a:t>
             </a:fld>
             <a:endParaRPr lang="en-US"/>
           </a:p>
@@ -855,7 +857,6 @@
           <a:p>
             <a:fld id="{7907ED9E-9631-9740-A1AA-B22EB843CF16}" type="slidenum">
               <a:rPr lang="en-US" smtClean="0"/>
-              <a:pPr/>
               <a:t>‹#›</a:t>
             </a:fld>
             <a:endParaRPr lang="en-US"/>
@@ -865,7 +866,7 @@
     </p:spTree>
     <p:extLst>
       <p:ext uri="{BB962C8B-B14F-4D97-AF65-F5344CB8AC3E}">
-        <p14:creationId xmlns:p14="http://schemas.microsoft.com/office/powerpoint/2010/main" xmlns="" val="933110197"/>
+        <p14:creationId xmlns:p14="http://schemas.microsoft.com/office/powerpoint/2010/main" val="933110197"/>
       </p:ext>
     </p:extLst>
   </p:cSld>
@@ -984,8 +985,7 @@
           <a:p>
             <a:fld id="{24118F9B-3984-CA45-B16B-0D255169E1EF}" type="datetimeFigureOut">
               <a:rPr lang="en-US" smtClean="0"/>
-              <a:pPr/>
-              <a:t>7/16/2015</a:t>
+              <a:t>7/16/15</a:t>
             </a:fld>
             <a:endParaRPr lang="en-US"/>
           </a:p>
@@ -1027,7 +1027,6 @@
           <a:p>
             <a:fld id="{7907ED9E-9631-9740-A1AA-B22EB843CF16}" type="slidenum">
               <a:rPr lang="en-US" smtClean="0"/>
-              <a:pPr/>
               <a:t>‹#›</a:t>
             </a:fld>
             <a:endParaRPr lang="en-US"/>
@@ -1037,7 +1036,7 @@
     </p:spTree>
     <p:extLst>
       <p:ext uri="{BB962C8B-B14F-4D97-AF65-F5344CB8AC3E}">
-        <p14:creationId xmlns:p14="http://schemas.microsoft.com/office/powerpoint/2010/main" xmlns="" val="1172755590"/>
+        <p14:creationId xmlns:p14="http://schemas.microsoft.com/office/powerpoint/2010/main" val="1172755590"/>
       </p:ext>
     </p:extLst>
   </p:cSld>
@@ -1329,8 +1328,7 @@
           <a:p>
             <a:fld id="{24118F9B-3984-CA45-B16B-0D255169E1EF}" type="datetimeFigureOut">
               <a:rPr lang="en-US" smtClean="0"/>
-              <a:pPr/>
-              <a:t>7/16/2015</a:t>
+              <a:t>7/16/15</a:t>
             </a:fld>
             <a:endParaRPr lang="en-US"/>
           </a:p>
@@ -1372,7 +1370,6 @@
           <a:p>
             <a:fld id="{7907ED9E-9631-9740-A1AA-B22EB843CF16}" type="slidenum">
               <a:rPr lang="en-US" smtClean="0"/>
-              <a:pPr/>
               <a:t>‹#›</a:t>
             </a:fld>
             <a:endParaRPr lang="en-US"/>
@@ -1420,7 +1417,7 @@
     </p:spTree>
     <p:extLst>
       <p:ext uri="{BB962C8B-B14F-4D97-AF65-F5344CB8AC3E}">
-        <p14:creationId xmlns:p14="http://schemas.microsoft.com/office/powerpoint/2010/main" xmlns="" val="1544617505"/>
+        <p14:creationId xmlns:p14="http://schemas.microsoft.com/office/powerpoint/2010/main" val="1544617505"/>
       </p:ext>
     </p:extLst>
   </p:cSld>
@@ -1606,8 +1603,7 @@
           <a:p>
             <a:fld id="{24118F9B-3984-CA45-B16B-0D255169E1EF}" type="datetimeFigureOut">
               <a:rPr lang="en-US" smtClean="0"/>
-              <a:pPr/>
-              <a:t>7/16/2015</a:t>
+              <a:t>7/16/15</a:t>
             </a:fld>
             <a:endParaRPr lang="en-US"/>
           </a:p>
@@ -1649,7 +1645,6 @@
           <a:p>
             <a:fld id="{7907ED9E-9631-9740-A1AA-B22EB843CF16}" type="slidenum">
               <a:rPr lang="en-US" smtClean="0"/>
-              <a:pPr/>
               <a:t>‹#›</a:t>
             </a:fld>
             <a:endParaRPr lang="en-US"/>
@@ -1659,7 +1654,7 @@
     </p:spTree>
     <p:extLst>
       <p:ext uri="{BB962C8B-B14F-4D97-AF65-F5344CB8AC3E}">
-        <p14:creationId xmlns:p14="http://schemas.microsoft.com/office/powerpoint/2010/main" xmlns="" val="243268139"/>
+        <p14:creationId xmlns:p14="http://schemas.microsoft.com/office/powerpoint/2010/main" val="243268139"/>
       </p:ext>
     </p:extLst>
   </p:cSld>
@@ -1987,8 +1982,7 @@
           <a:p>
             <a:fld id="{24118F9B-3984-CA45-B16B-0D255169E1EF}" type="datetimeFigureOut">
               <a:rPr lang="en-US" smtClean="0"/>
-              <a:pPr/>
-              <a:t>7/16/2015</a:t>
+              <a:t>7/16/15</a:t>
             </a:fld>
             <a:endParaRPr lang="en-US"/>
           </a:p>
@@ -2030,7 +2024,6 @@
           <a:p>
             <a:fld id="{7907ED9E-9631-9740-A1AA-B22EB843CF16}" type="slidenum">
               <a:rPr lang="en-US" smtClean="0"/>
-              <a:pPr/>
               <a:t>‹#›</a:t>
             </a:fld>
             <a:endParaRPr lang="en-US"/>
@@ -2040,7 +2033,7 @@
     </p:spTree>
     <p:extLst>
       <p:ext uri="{BB962C8B-B14F-4D97-AF65-F5344CB8AC3E}">
-        <p14:creationId xmlns:p14="http://schemas.microsoft.com/office/powerpoint/2010/main" xmlns="" val="1012502954"/>
+        <p14:creationId xmlns:p14="http://schemas.microsoft.com/office/powerpoint/2010/main" val="1012502954"/>
       </p:ext>
     </p:extLst>
   </p:cSld>
@@ -2107,8 +2100,7 @@
           <a:p>
             <a:fld id="{24118F9B-3984-CA45-B16B-0D255169E1EF}" type="datetimeFigureOut">
               <a:rPr lang="en-US" smtClean="0"/>
-              <a:pPr/>
-              <a:t>7/16/2015</a:t>
+              <a:t>7/16/15</a:t>
             </a:fld>
             <a:endParaRPr lang="en-US"/>
           </a:p>
@@ -2150,7 +2142,6 @@
           <a:p>
             <a:fld id="{7907ED9E-9631-9740-A1AA-B22EB843CF16}" type="slidenum">
               <a:rPr lang="en-US" smtClean="0"/>
-              <a:pPr/>
               <a:t>‹#›</a:t>
             </a:fld>
             <a:endParaRPr lang="en-US"/>
@@ -2160,7 +2151,7 @@
     </p:spTree>
     <p:extLst>
       <p:ext uri="{BB962C8B-B14F-4D97-AF65-F5344CB8AC3E}">
-        <p14:creationId xmlns:p14="http://schemas.microsoft.com/office/powerpoint/2010/main" xmlns="" val="1272469786"/>
+        <p14:creationId xmlns:p14="http://schemas.microsoft.com/office/powerpoint/2010/main" val="1272469786"/>
       </p:ext>
     </p:extLst>
   </p:cSld>
@@ -2280,8 +2271,7 @@
           <a:p>
             <a:fld id="{24118F9B-3984-CA45-B16B-0D255169E1EF}" type="datetimeFigureOut">
               <a:rPr lang="en-US" smtClean="0"/>
-              <a:pPr/>
-              <a:t>7/16/2015</a:t>
+              <a:t>7/16/15</a:t>
             </a:fld>
             <a:endParaRPr lang="en-US"/>
           </a:p>
@@ -2331,7 +2321,6 @@
           <a:p>
             <a:fld id="{7907ED9E-9631-9740-A1AA-B22EB843CF16}" type="slidenum">
               <a:rPr lang="en-US" smtClean="0"/>
-              <a:pPr/>
               <a:t>‹#›</a:t>
             </a:fld>
             <a:endParaRPr lang="en-US"/>
@@ -2341,7 +2330,7 @@
     </p:spTree>
     <p:extLst>
       <p:ext uri="{BB962C8B-B14F-4D97-AF65-F5344CB8AC3E}">
-        <p14:creationId xmlns:p14="http://schemas.microsoft.com/office/powerpoint/2010/main" xmlns="" val="2027907669"/>
+        <p14:creationId xmlns:p14="http://schemas.microsoft.com/office/powerpoint/2010/main" val="2027907669"/>
       </p:ext>
     </p:extLst>
   </p:cSld>
@@ -2636,8 +2625,7 @@
           <a:p>
             <a:fld id="{24118F9B-3984-CA45-B16B-0D255169E1EF}" type="datetimeFigureOut">
               <a:rPr lang="en-US" smtClean="0"/>
-              <a:pPr/>
-              <a:t>7/16/2015</a:t>
+              <a:t>7/16/15</a:t>
             </a:fld>
             <a:endParaRPr lang="en-US"/>
           </a:p>
@@ -2700,7 +2688,6 @@
           <a:p>
             <a:fld id="{7907ED9E-9631-9740-A1AA-B22EB843CF16}" type="slidenum">
               <a:rPr lang="en-US" smtClean="0"/>
-              <a:pPr/>
               <a:t>‹#›</a:t>
             </a:fld>
             <a:endParaRPr lang="en-US"/>
@@ -2710,7 +2697,7 @@
     </p:spTree>
     <p:extLst>
       <p:ext uri="{BB962C8B-B14F-4D97-AF65-F5344CB8AC3E}">
-        <p14:creationId xmlns:p14="http://schemas.microsoft.com/office/powerpoint/2010/main" xmlns="" val="968338082"/>
+        <p14:creationId xmlns:p14="http://schemas.microsoft.com/office/powerpoint/2010/main" val="968338082"/>
       </p:ext>
     </p:extLst>
   </p:cSld>
@@ -3015,8 +3002,7 @@
           <a:p>
             <a:fld id="{24118F9B-3984-CA45-B16B-0D255169E1EF}" type="datetimeFigureOut">
               <a:rPr lang="en-US" smtClean="0"/>
-              <a:pPr/>
-              <a:t>7/16/2015</a:t>
+              <a:t>7/16/15</a:t>
             </a:fld>
             <a:endParaRPr lang="en-US"/>
           </a:p>
@@ -3058,7 +3044,6 @@
           <a:p>
             <a:fld id="{7907ED9E-9631-9740-A1AA-B22EB843CF16}" type="slidenum">
               <a:rPr lang="en-US" smtClean="0"/>
-              <a:pPr/>
               <a:t>‹#›</a:t>
             </a:fld>
             <a:endParaRPr lang="en-US"/>
@@ -3068,7 +3053,7 @@
     </p:spTree>
     <p:extLst>
       <p:ext uri="{BB962C8B-B14F-4D97-AF65-F5344CB8AC3E}">
-        <p14:creationId xmlns:p14="http://schemas.microsoft.com/office/powerpoint/2010/main" xmlns="" val="722308542"/>
+        <p14:creationId xmlns:p14="http://schemas.microsoft.com/office/powerpoint/2010/main" val="722308542"/>
       </p:ext>
     </p:extLst>
   </p:cSld>
@@ -3304,8 +3289,7 @@
           <a:p>
             <a:fld id="{24118F9B-3984-CA45-B16B-0D255169E1EF}" type="datetimeFigureOut">
               <a:rPr lang="en-US" smtClean="0"/>
-              <a:pPr/>
-              <a:t>7/16/2015</a:t>
+              <a:t>7/16/15</a:t>
             </a:fld>
             <a:endParaRPr lang="en-US"/>
           </a:p>
@@ -3379,7 +3363,6 @@
           <a:p>
             <a:fld id="{7907ED9E-9631-9740-A1AA-B22EB843CF16}" type="slidenum">
               <a:rPr lang="en-US" smtClean="0"/>
-              <a:pPr/>
               <a:t>‹#›</a:t>
             </a:fld>
             <a:endParaRPr lang="en-US"/>
@@ -3427,7 +3410,7 @@
     </p:spTree>
     <p:extLst>
       <p:ext uri="{BB962C8B-B14F-4D97-AF65-F5344CB8AC3E}">
-        <p14:creationId xmlns:p14="http://schemas.microsoft.com/office/powerpoint/2010/main" xmlns="" val="2086206725"/>
+        <p14:creationId xmlns:p14="http://schemas.microsoft.com/office/powerpoint/2010/main" val="2086206725"/>
       </p:ext>
     </p:extLst>
   </p:cSld>
@@ -3889,18 +3872,11 @@
                   </a:schemeClr>
                 </a:solidFill>
               </a:rPr>
-              <a:t>Kim </a:t>
-            </a:r>
-            <a:r>
-              <a:rPr lang="en-US" sz="1800" dirty="0" err="1" smtClean="0">
-                <a:solidFill>
-                  <a:schemeClr val="bg1">
-                    <a:lumMod val="65000"/>
-                  </a:schemeClr>
-                </a:solidFill>
-              </a:rPr>
-              <a:t>Minsu</a:t>
-            </a:r>
+              <a:t>Kim Minsu, Kim Won Hyun, Liu Siyuan </a:t>
+            </a:r>
+          </a:p>
+          <a:p>
+            <a:pPr algn="r"/>
             <a:r>
               <a:rPr lang="en-US" sz="1800" dirty="0" smtClean="0">
                 <a:solidFill>
@@ -3909,60 +3885,7 @@
                   </a:schemeClr>
                 </a:solidFill>
               </a:rPr>
-              <a:t>, Kim Won Hyun, Liu </a:t>
-            </a:r>
-            <a:r>
-              <a:rPr lang="en-US" sz="1800" dirty="0" err="1" smtClean="0">
-                <a:solidFill>
-                  <a:schemeClr val="bg1">
-                    <a:lumMod val="65000"/>
-                  </a:schemeClr>
-                </a:solidFill>
-              </a:rPr>
-              <a:t>Siyuan</a:t>
-            </a:r>
-            <a:r>
-              <a:rPr lang="en-US" sz="1800" dirty="0" smtClean="0">
-                <a:solidFill>
-                  <a:schemeClr val="bg1">
-                    <a:lumMod val="65000"/>
-                  </a:schemeClr>
-                </a:solidFill>
-              </a:rPr>
-              <a:t> </a:t>
-            </a:r>
-          </a:p>
-          <a:p>
-            <a:pPr algn="r"/>
-            <a:r>
-              <a:rPr lang="en-US" sz="1800" dirty="0" smtClean="0">
-                <a:solidFill>
-                  <a:schemeClr val="bg1">
-                    <a:lumMod val="65000"/>
-                  </a:schemeClr>
-                </a:solidFill>
-              </a:rPr>
-              <a:t>Zhang </a:t>
-            </a:r>
-            <a:r>
-              <a:rPr lang="en-US" sz="1800" dirty="0" err="1" smtClean="0">
-                <a:solidFill>
-                  <a:schemeClr val="bg1">
-                    <a:lumMod val="65000"/>
-                  </a:schemeClr>
-                </a:solidFill>
-              </a:rPr>
-              <a:t>Linghan</a:t>
-            </a:r>
-            <a:r>
-              <a:rPr lang="en-US" sz="1800" dirty="0" smtClean="0">
-                <a:solidFill>
-                  <a:schemeClr val="bg1">
-                    <a:lumMod val="65000"/>
-                  </a:schemeClr>
-                </a:solidFill>
-              </a:rPr>
-              <a:t>, Tan Chin Won</a:t>
+              <a:t>Zhang Linghan, Tan Chin Won</a:t>
             </a:r>
             <a:endParaRPr lang="en-US" dirty="0">
               <a:solidFill>
@@ -3977,7 +3900,7 @@
     </p:spTree>
     <p:extLst>
       <p:ext uri="{BB962C8B-B14F-4D97-AF65-F5344CB8AC3E}">
-        <p14:creationId xmlns:p14="http://schemas.microsoft.com/office/powerpoint/2010/main" xmlns="" val="1186452551"/>
+        <p14:creationId xmlns:p14="http://schemas.microsoft.com/office/powerpoint/2010/main" val="1186452551"/>
       </p:ext>
     </p:extLst>
   </p:cSld>
@@ -4036,112 +3959,6 @@
       </p:sp>
       <p:sp>
         <p:nvSpPr>
-          <p:cNvPr id="5" name="Text Placeholder 4"/>
-          <p:cNvSpPr>
-            <a:spLocks noGrp="1"/>
-          </p:cNvSpPr>
-          <p:nvPr>
-            <p:ph type="body" sz="half" idx="2"/>
-          </p:nvPr>
-        </p:nvSpPr>
-        <p:spPr>
-          <a:xfrm>
-            <a:off x="457199" y="2926080"/>
-            <a:ext cx="3538603" cy="3931920"/>
-          </a:xfrm>
-        </p:spPr>
-        <p:txBody>
-          <a:bodyPr>
-            <a:normAutofit/>
-          </a:bodyPr>
-          <a:lstStyle/>
-          <a:p>
-            <a:pPr marL="285750" indent="-285750">
-              <a:lnSpc>
-                <a:spcPct val="200000"/>
-              </a:lnSpc>
-              <a:buFont typeface="Wingdings" charset="2"/>
-              <a:buChar char="§"/>
-            </a:pPr>
-            <a:r>
-              <a:rPr lang="en-US" sz="1800" dirty="0" smtClean="0"/>
-              <a:t>Methods</a:t>
-            </a:r>
-          </a:p>
-          <a:p>
-            <a:pPr marL="742950" lvl="1" indent="-285750">
-              <a:lnSpc>
-                <a:spcPct val="200000"/>
-              </a:lnSpc>
-              <a:buFont typeface="Wingdings" charset="2"/>
-              <a:buChar char="§"/>
-            </a:pPr>
-            <a:r>
-              <a:rPr lang="en-US" sz="1600" dirty="0" smtClean="0">
-                <a:solidFill>
-                  <a:schemeClr val="bg1"/>
-                </a:solidFill>
-              </a:rPr>
-              <a:t>Linear regression</a:t>
-            </a:r>
-          </a:p>
-          <a:p>
-            <a:pPr marL="285750" indent="-285750">
-              <a:lnSpc>
-                <a:spcPct val="200000"/>
-              </a:lnSpc>
-              <a:buFont typeface="Wingdings" charset="2"/>
-              <a:buChar char="§"/>
-            </a:pPr>
-            <a:r>
-              <a:rPr lang="en-US" sz="1800" dirty="0" smtClean="0"/>
-              <a:t>Results</a:t>
-            </a:r>
-            <a:endParaRPr lang="en-US" dirty="0" smtClean="0"/>
-          </a:p>
-          <a:p>
-            <a:pPr marL="742950" lvl="1" indent="-285750">
-              <a:lnSpc>
-                <a:spcPct val="200000"/>
-              </a:lnSpc>
-              <a:buFont typeface="Wingdings" charset="2"/>
-              <a:buChar char="§"/>
-            </a:pPr>
-            <a:r>
-              <a:rPr lang="en-US" sz="1600" dirty="0">
-                <a:solidFill>
-                  <a:schemeClr val="bg1"/>
-                </a:solidFill>
-              </a:rPr>
-              <a:t>B</a:t>
-            </a:r>
-            <a:r>
-              <a:rPr lang="en-US" sz="1600" dirty="0" smtClean="0">
-                <a:solidFill>
-                  <a:schemeClr val="bg1"/>
-                </a:solidFill>
-              </a:rPr>
-              <a:t>ar plots of monthly and yearly violation count</a:t>
-            </a:r>
-          </a:p>
-          <a:p>
-            <a:pPr marL="285750" indent="-285750">
-              <a:lnSpc>
-                <a:spcPct val="200000"/>
-              </a:lnSpc>
-              <a:buFont typeface="Wingdings" charset="2"/>
-              <a:buChar char="§"/>
-            </a:pPr>
-            <a:r>
-              <a:rPr lang="en-US" sz="1800" dirty="0" smtClean="0"/>
-              <a:t>Interpretation</a:t>
-            </a:r>
-            <a:endParaRPr lang="en-US" dirty="0"/>
-          </a:p>
-        </p:txBody>
-      </p:sp>
-      <p:sp>
-        <p:nvSpPr>
           <p:cNvPr id="6" name="TextBox 5"/>
           <p:cNvSpPr txBox="1"/>
           <p:nvPr/>
@@ -4184,7 +4001,7 @@
           <a:blip r:embed="rId2">
             <a:extLst>
               <a:ext uri="{28A0092B-C50C-407E-A947-70E740481C1C}">
-                <a14:useLocalDpi xmlns:a14="http://schemas.microsoft.com/office/drawing/2010/main" xmlns="" val="0"/>
+                <a14:useLocalDpi xmlns:a14="http://schemas.microsoft.com/office/drawing/2010/main" val="0"/>
               </a:ext>
             </a:extLst>
           </a:blip>
@@ -4210,7 +4027,7 @@
           <a:blip r:embed="rId3">
             <a:extLst>
               <a:ext uri="{28A0092B-C50C-407E-A947-70E740481C1C}">
-                <a14:useLocalDpi xmlns:a14="http://schemas.microsoft.com/office/drawing/2010/main" xmlns="" val="0"/>
+                <a14:useLocalDpi xmlns:a14="http://schemas.microsoft.com/office/drawing/2010/main" val="0"/>
               </a:ext>
             </a:extLst>
           </a:blip>
@@ -4228,7 +4045,7 @@
           <a:noFill/>
           <a:extLst>
             <a:ext uri="{909E8E84-426E-40DD-AFC4-6F175D3DCCD1}">
-              <a14:hiddenFill xmlns:a14="http://schemas.microsoft.com/office/drawing/2010/main" xmlns="">
+              <a14:hiddenFill xmlns:a14="http://schemas.microsoft.com/office/drawing/2010/main">
                 <a:solidFill>
                   <a:srgbClr val="FFFFFF"/>
                 </a:solidFill>
@@ -4267,10 +4084,133 @@
           </a:p>
         </p:txBody>
       </p:sp>
+      <p:sp>
+        <p:nvSpPr>
+          <p:cNvPr id="10" name="Text Placeholder 4"/>
+          <p:cNvSpPr>
+            <a:spLocks noGrp="1"/>
+          </p:cNvSpPr>
+          <p:nvPr>
+            <p:ph type="body" sz="half" idx="2"/>
+          </p:nvPr>
+        </p:nvSpPr>
+        <p:spPr>
+          <a:xfrm>
+            <a:off x="457199" y="2926080"/>
+            <a:ext cx="3538603" cy="3931920"/>
+          </a:xfrm>
+        </p:spPr>
+        <p:txBody>
+          <a:bodyPr>
+            <a:normAutofit fontScale="92500" lnSpcReduction="10000"/>
+          </a:bodyPr>
+          <a:lstStyle/>
+          <a:p>
+            <a:pPr marL="285750" indent="-285750">
+              <a:lnSpc>
+                <a:spcPct val="200000"/>
+              </a:lnSpc>
+              <a:buFont typeface="Wingdings" charset="2"/>
+              <a:buChar char="§"/>
+            </a:pPr>
+            <a:r>
+              <a:rPr lang="en-US" sz="1800" dirty="0" smtClean="0"/>
+              <a:t>Methods</a:t>
+            </a:r>
+          </a:p>
+          <a:p>
+            <a:pPr marL="742950" lvl="1" indent="-285750">
+              <a:lnSpc>
+                <a:spcPct val="200000"/>
+              </a:lnSpc>
+              <a:buFont typeface="Wingdings" charset="2"/>
+              <a:buChar char="§"/>
+            </a:pPr>
+            <a:r>
+              <a:rPr lang="en-US" sz="1600" dirty="0">
+                <a:solidFill>
+                  <a:schemeClr val="bg1"/>
+                </a:solidFill>
+              </a:rPr>
+              <a:t>Student’s t-test</a:t>
+            </a:r>
+          </a:p>
+          <a:p>
+            <a:pPr marL="742950" lvl="1" indent="-285750">
+              <a:lnSpc>
+                <a:spcPct val="200000"/>
+              </a:lnSpc>
+              <a:buFont typeface="Wingdings" charset="2"/>
+              <a:buChar char="§"/>
+            </a:pPr>
+            <a:r>
+              <a:rPr lang="en-US" sz="1600" dirty="0" smtClean="0">
+                <a:solidFill>
+                  <a:schemeClr val="bg1"/>
+                </a:solidFill>
+              </a:rPr>
+              <a:t>Linear regression</a:t>
+            </a:r>
+          </a:p>
+          <a:p>
+            <a:pPr marL="285750" indent="-285750">
+              <a:lnSpc>
+                <a:spcPct val="200000"/>
+              </a:lnSpc>
+              <a:buFont typeface="Wingdings" charset="2"/>
+              <a:buChar char="§"/>
+            </a:pPr>
+            <a:r>
+              <a:rPr lang="en-US" sz="1800" dirty="0" smtClean="0"/>
+              <a:t>Results</a:t>
+            </a:r>
+            <a:endParaRPr lang="en-US" dirty="0" smtClean="0"/>
+          </a:p>
+          <a:p>
+            <a:pPr marL="742950" lvl="1" indent="-285750">
+              <a:lnSpc>
+                <a:spcPct val="200000"/>
+              </a:lnSpc>
+              <a:buFont typeface="Wingdings" charset="2"/>
+              <a:buChar char="§"/>
+            </a:pPr>
+            <a:r>
+              <a:rPr lang="en-US" sz="1600" dirty="0">
+                <a:solidFill>
+                  <a:schemeClr val="bg1"/>
+                </a:solidFill>
+              </a:rPr>
+              <a:t>B</a:t>
+            </a:r>
+            <a:r>
+              <a:rPr lang="en-US" sz="1600" dirty="0" smtClean="0">
+                <a:solidFill>
+                  <a:schemeClr val="bg1"/>
+                </a:solidFill>
+              </a:rPr>
+              <a:t>ar plots of monthly and yearly violation count</a:t>
+            </a:r>
+          </a:p>
+          <a:p>
+            <a:pPr marL="285750" indent="-285750">
+              <a:lnSpc>
+                <a:spcPct val="200000"/>
+              </a:lnSpc>
+              <a:buFont typeface="Wingdings" charset="2"/>
+              <a:buChar char="§"/>
+            </a:pPr>
+            <a:r>
+              <a:rPr lang="en-US" sz="1800" dirty="0" smtClean="0"/>
+              <a:t>Interpretation</a:t>
+            </a:r>
+            <a:endParaRPr lang="en-US" dirty="0"/>
+          </a:p>
+        </p:txBody>
+      </p:sp>
     </p:spTree>
     <p:extLst>
       <p:ext uri="{BB962C8B-B14F-4D97-AF65-F5344CB8AC3E}">
-        <p14:creationId xmlns:p14="http://schemas.microsoft.com/office/powerpoint/2010/main" xmlns="" val="346502533"/>
+        <p14:creationId xmlns:p14="http://schemas.microsoft.com/office/powerpoint/2010/main" val="346502533"/>
       </p:ext>
     </p:extLst>
   </p:cSld>
@@ -4327,112 +4267,6 @@
           </a:p>
         </p:txBody>
       </p:sp>
-      <p:sp>
-        <p:nvSpPr>
-          <p:cNvPr id="5" name="Text Placeholder 4"/>
-          <p:cNvSpPr>
-            <a:spLocks noGrp="1"/>
-          </p:cNvSpPr>
-          <p:nvPr>
-            <p:ph type="body" sz="half" idx="2"/>
-          </p:nvPr>
-        </p:nvSpPr>
-        <p:spPr>
-          <a:xfrm>
-            <a:off x="457199" y="2926080"/>
-            <a:ext cx="3538603" cy="3931920"/>
-          </a:xfrm>
-        </p:spPr>
-        <p:txBody>
-          <a:bodyPr>
-            <a:normAutofit/>
-          </a:bodyPr>
-          <a:lstStyle/>
-          <a:p>
-            <a:pPr marL="285750" indent="-285750">
-              <a:lnSpc>
-                <a:spcPct val="200000"/>
-              </a:lnSpc>
-              <a:buFont typeface="Wingdings" charset="2"/>
-              <a:buChar char="§"/>
-            </a:pPr>
-            <a:r>
-              <a:rPr lang="en-US" sz="1800" dirty="0" smtClean="0"/>
-              <a:t>Methods</a:t>
-            </a:r>
-          </a:p>
-          <a:p>
-            <a:pPr marL="742950" lvl="1" indent="-285750">
-              <a:lnSpc>
-                <a:spcPct val="200000"/>
-              </a:lnSpc>
-              <a:buFont typeface="Wingdings" charset="2"/>
-              <a:buChar char="§"/>
-            </a:pPr>
-            <a:r>
-              <a:rPr lang="en-US" sz="1600" dirty="0" smtClean="0">
-                <a:solidFill>
-                  <a:schemeClr val="bg1"/>
-                </a:solidFill>
-              </a:rPr>
-              <a:t>Linear regression</a:t>
-            </a:r>
-          </a:p>
-          <a:p>
-            <a:pPr marL="285750" indent="-285750">
-              <a:lnSpc>
-                <a:spcPct val="200000"/>
-              </a:lnSpc>
-              <a:buFont typeface="Wingdings" charset="2"/>
-              <a:buChar char="§"/>
-            </a:pPr>
-            <a:r>
-              <a:rPr lang="en-US" sz="1800" dirty="0" smtClean="0"/>
-              <a:t>Results</a:t>
-            </a:r>
-            <a:endParaRPr lang="en-US" dirty="0" smtClean="0"/>
-          </a:p>
-          <a:p>
-            <a:pPr marL="742950" lvl="1" indent="-285750">
-              <a:lnSpc>
-                <a:spcPct val="200000"/>
-              </a:lnSpc>
-              <a:buFont typeface="Wingdings" charset="2"/>
-              <a:buChar char="§"/>
-            </a:pPr>
-            <a:r>
-              <a:rPr lang="en-US" sz="1600" dirty="0">
-                <a:solidFill>
-                  <a:schemeClr val="bg1"/>
-                </a:solidFill>
-              </a:rPr>
-              <a:t>B</a:t>
-            </a:r>
-            <a:r>
-              <a:rPr lang="en-US" sz="1600" dirty="0" smtClean="0">
-                <a:solidFill>
-                  <a:schemeClr val="bg1"/>
-                </a:solidFill>
-              </a:rPr>
-              <a:t>ar plots of monthly and yearly violation count</a:t>
-            </a:r>
-          </a:p>
-          <a:p>
-            <a:pPr marL="285750" indent="-285750">
-              <a:lnSpc>
-                <a:spcPct val="200000"/>
-              </a:lnSpc>
-              <a:buFont typeface="Wingdings" charset="2"/>
-              <a:buChar char="§"/>
-            </a:pPr>
-            <a:r>
-              <a:rPr lang="en-US" sz="1800" dirty="0" smtClean="0"/>
-              <a:t>Interpretation</a:t>
-            </a:r>
-            <a:endParaRPr lang="en-US" dirty="0"/>
-          </a:p>
-        </p:txBody>
-      </p:sp>
       <p:pic>
         <p:nvPicPr>
           <p:cNvPr id="6" name="Picture 4" descr="Yearly"/>
@@ -4447,7 +4281,7 @@
           <a:blip r:embed="rId2">
             <a:extLst>
               <a:ext uri="{28A0092B-C50C-407E-A947-70E740481C1C}">
-                <a14:useLocalDpi xmlns:a14="http://schemas.microsoft.com/office/drawing/2010/main" xmlns="" val="0"/>
+                <a14:useLocalDpi xmlns:a14="http://schemas.microsoft.com/office/drawing/2010/main" val="0"/>
               </a:ext>
             </a:extLst>
           </a:blip>
@@ -4467,7 +4301,7 @@
           <a:noFill/>
           <a:extLst>
             <a:ext uri="{909E8E84-426E-40DD-AFC4-6F175D3DCCD1}">
-              <a14:hiddenFill xmlns:a14="http://schemas.microsoft.com/office/drawing/2010/main" xmlns="">
+              <a14:hiddenFill xmlns:a14="http://schemas.microsoft.com/office/drawing/2010/main">
                 <a:solidFill>
                   <a:srgbClr val="FFFFFF"/>
                 </a:solidFill>
@@ -4476,10 +4310,133 @@
           </a:extLst>
         </p:spPr>
       </p:pic>
+      <p:sp>
+        <p:nvSpPr>
+          <p:cNvPr id="7" name="Text Placeholder 4"/>
+          <p:cNvSpPr>
+            <a:spLocks noGrp="1"/>
+          </p:cNvSpPr>
+          <p:nvPr>
+            <p:ph type="body" sz="half" idx="2"/>
+          </p:nvPr>
+        </p:nvSpPr>
+        <p:spPr>
+          <a:xfrm>
+            <a:off x="457199" y="2926080"/>
+            <a:ext cx="3538603" cy="3931920"/>
+          </a:xfrm>
+        </p:spPr>
+        <p:txBody>
+          <a:bodyPr>
+            <a:normAutofit fontScale="92500" lnSpcReduction="10000"/>
+          </a:bodyPr>
+          <a:lstStyle/>
+          <a:p>
+            <a:pPr marL="285750" indent="-285750">
+              <a:lnSpc>
+                <a:spcPct val="200000"/>
+              </a:lnSpc>
+              <a:buFont typeface="Wingdings" charset="2"/>
+              <a:buChar char="§"/>
+            </a:pPr>
+            <a:r>
+              <a:rPr lang="en-US" sz="1800" dirty="0" smtClean="0"/>
+              <a:t>Methods</a:t>
+            </a:r>
+          </a:p>
+          <a:p>
+            <a:pPr marL="742950" lvl="1" indent="-285750">
+              <a:lnSpc>
+                <a:spcPct val="200000"/>
+              </a:lnSpc>
+              <a:buFont typeface="Wingdings" charset="2"/>
+              <a:buChar char="§"/>
+            </a:pPr>
+            <a:r>
+              <a:rPr lang="en-US" sz="1600" dirty="0">
+                <a:solidFill>
+                  <a:schemeClr val="bg1"/>
+                </a:solidFill>
+              </a:rPr>
+              <a:t>Student’s t-test</a:t>
+            </a:r>
+          </a:p>
+          <a:p>
+            <a:pPr marL="742950" lvl="1" indent="-285750">
+              <a:lnSpc>
+                <a:spcPct val="200000"/>
+              </a:lnSpc>
+              <a:buFont typeface="Wingdings" charset="2"/>
+              <a:buChar char="§"/>
+            </a:pPr>
+            <a:r>
+              <a:rPr lang="en-US" sz="1600" dirty="0" smtClean="0">
+                <a:solidFill>
+                  <a:schemeClr val="bg1"/>
+                </a:solidFill>
+              </a:rPr>
+              <a:t>Linear regression</a:t>
+            </a:r>
+          </a:p>
+          <a:p>
+            <a:pPr marL="285750" indent="-285750">
+              <a:lnSpc>
+                <a:spcPct val="200000"/>
+              </a:lnSpc>
+              <a:buFont typeface="Wingdings" charset="2"/>
+              <a:buChar char="§"/>
+            </a:pPr>
+            <a:r>
+              <a:rPr lang="en-US" sz="1800" dirty="0" smtClean="0"/>
+              <a:t>Results</a:t>
+            </a:r>
+            <a:endParaRPr lang="en-US" dirty="0" smtClean="0"/>
+          </a:p>
+          <a:p>
+            <a:pPr marL="742950" lvl="1" indent="-285750">
+              <a:lnSpc>
+                <a:spcPct val="200000"/>
+              </a:lnSpc>
+              <a:buFont typeface="Wingdings" charset="2"/>
+              <a:buChar char="§"/>
+            </a:pPr>
+            <a:r>
+              <a:rPr lang="en-US" sz="1600" dirty="0">
+                <a:solidFill>
+                  <a:schemeClr val="bg1"/>
+                </a:solidFill>
+              </a:rPr>
+              <a:t>B</a:t>
+            </a:r>
+            <a:r>
+              <a:rPr lang="en-US" sz="1600" dirty="0" smtClean="0">
+                <a:solidFill>
+                  <a:schemeClr val="bg1"/>
+                </a:solidFill>
+              </a:rPr>
+              <a:t>ar plots of monthly and yearly violation count</a:t>
+            </a:r>
+          </a:p>
+          <a:p>
+            <a:pPr marL="285750" indent="-285750">
+              <a:lnSpc>
+                <a:spcPct val="200000"/>
+              </a:lnSpc>
+              <a:buFont typeface="Wingdings" charset="2"/>
+              <a:buChar char="§"/>
+            </a:pPr>
+            <a:r>
+              <a:rPr lang="en-US" sz="1800" dirty="0" smtClean="0"/>
+              <a:t>Interpretation</a:t>
+            </a:r>
+            <a:endParaRPr lang="en-US" dirty="0"/>
+          </a:p>
+        </p:txBody>
+      </p:sp>
     </p:spTree>
     <p:extLst>
       <p:ext uri="{BB962C8B-B14F-4D97-AF65-F5344CB8AC3E}">
-        <p14:creationId xmlns:p14="http://schemas.microsoft.com/office/powerpoint/2010/main" xmlns="" val="1758179117"/>
+        <p14:creationId xmlns:p14="http://schemas.microsoft.com/office/powerpoint/2010/main" val="1758179117"/>
       </p:ext>
     </p:extLst>
   </p:cSld>
@@ -4530,7 +4487,7 @@
           <a:p>
             <a:r>
               <a:rPr lang="en-US" dirty="0" smtClean="0"/>
-              <a:t>Conclusion &amp; Future Direction</a:t>
+              <a:t>Conclusion</a:t>
             </a:r>
             <a:endParaRPr lang="en-US" dirty="0"/>
           </a:p>
@@ -4551,14 +4508,265 @@
           <a:bodyPr/>
           <a:lstStyle/>
           <a:p>
-            <a:endParaRPr lang="en-US"/>
+            <a:pPr>
+              <a:lnSpc>
+                <a:spcPct val="200000"/>
+              </a:lnSpc>
+              <a:buFont typeface="Wingdings" charset="2"/>
+              <a:buChar char="§"/>
+            </a:pPr>
+            <a:r>
+              <a:rPr lang="en-US" dirty="0" smtClean="0"/>
+              <a:t>Most traffic violations happen at crossroads</a:t>
+            </a:r>
+          </a:p>
+          <a:p>
+            <a:pPr>
+              <a:lnSpc>
+                <a:spcPct val="200000"/>
+              </a:lnSpc>
+              <a:buFont typeface="Wingdings" charset="2"/>
+              <a:buChar char="§"/>
+            </a:pPr>
+            <a:r>
+              <a:rPr lang="en-US" dirty="0" smtClean="0"/>
+              <a:t>Female drivers have a higher change of cause fatality in traffic violations</a:t>
+            </a:r>
+          </a:p>
+          <a:p>
+            <a:pPr>
+              <a:lnSpc>
+                <a:spcPct val="200000"/>
+              </a:lnSpc>
+              <a:buFont typeface="Wingdings" charset="2"/>
+              <a:buChar char="§"/>
+            </a:pPr>
+            <a:r>
+              <a:rPr lang="en-US" dirty="0" smtClean="0"/>
+              <a:t>Traffic violations are increasing at a constant high speed</a:t>
+            </a:r>
           </a:p>
         </p:txBody>
       </p:sp>
     </p:spTree>
     <p:extLst>
       <p:ext uri="{BB962C8B-B14F-4D97-AF65-F5344CB8AC3E}">
-        <p14:creationId xmlns:p14="http://schemas.microsoft.com/office/powerpoint/2010/main" xmlns="" val="201407458"/>
+        <p14:creationId xmlns:p14="http://schemas.microsoft.com/office/powerpoint/2010/main" val="201407458"/>
+      </p:ext>
+    </p:extLst>
+  </p:cSld>
+  <p:clrMapOvr>
+    <a:masterClrMapping/>
+  </p:clrMapOvr>
+  <p:timing>
+    <p:tnLst>
+      <p:par>
+        <p:cTn id="1" dur="indefinite" restart="never" nodeType="tmRoot"/>
+      </p:par>
+    </p:tnLst>
+  </p:timing>
+</p:sld>
+</file>
+
+<file path=ppt/slides/slide13.xml><?xml version="1.0" encoding="utf-8"?>
+<p:sld xmlns:a="http://schemas.openxmlformats.org/drawingml/2006/main" xmlns:r="http://schemas.openxmlformats.org/officeDocument/2006/relationships" xmlns:p="http://schemas.openxmlformats.org/presentationml/2006/main">
+  <p:cSld>
+    <p:spTree>
+      <p:nvGrpSpPr>
+        <p:cNvPr id="1" name=""/>
+        <p:cNvGrpSpPr/>
+        <p:nvPr/>
+      </p:nvGrpSpPr>
+      <p:grpSpPr>
+        <a:xfrm>
+          <a:off x="0" y="0"/>
+          <a:ext cx="0" cy="0"/>
+          <a:chOff x="0" y="0"/>
+          <a:chExt cx="0" cy="0"/>
+        </a:xfrm>
+      </p:grpSpPr>
+      <p:sp>
+        <p:nvSpPr>
+          <p:cNvPr id="2" name="Title 1"/>
+          <p:cNvSpPr>
+            <a:spLocks noGrp="1"/>
+          </p:cNvSpPr>
+          <p:nvPr>
+            <p:ph type="title"/>
+          </p:nvPr>
+        </p:nvSpPr>
+        <p:spPr/>
+        <p:txBody>
+          <a:bodyPr/>
+          <a:lstStyle/>
+          <a:p>
+            <a:r>
+              <a:rPr lang="en-US" dirty="0" smtClean="0"/>
+              <a:t>Future Directions</a:t>
+            </a:r>
+            <a:endParaRPr lang="en-US" dirty="0"/>
+          </a:p>
+        </p:txBody>
+      </p:sp>
+      <p:sp>
+        <p:nvSpPr>
+          <p:cNvPr id="3" name="Content Placeholder 2"/>
+          <p:cNvSpPr>
+            <a:spLocks noGrp="1"/>
+          </p:cNvSpPr>
+          <p:nvPr>
+            <p:ph idx="1"/>
+          </p:nvPr>
+        </p:nvSpPr>
+        <p:spPr/>
+        <p:txBody>
+          <a:bodyPr/>
+          <a:lstStyle/>
+          <a:p>
+            <a:pPr>
+              <a:lnSpc>
+                <a:spcPct val="200000"/>
+              </a:lnSpc>
+              <a:buFont typeface="Wingdings" charset="2"/>
+              <a:buChar char="§"/>
+            </a:pPr>
+            <a:r>
+              <a:rPr lang="en-US" dirty="0" smtClean="0"/>
+              <a:t>Relation between road conditions and traffic violations</a:t>
+            </a:r>
+          </a:p>
+          <a:p>
+            <a:pPr>
+              <a:lnSpc>
+                <a:spcPct val="200000"/>
+              </a:lnSpc>
+              <a:buFont typeface="Wingdings" charset="2"/>
+              <a:buChar char="§"/>
+            </a:pPr>
+            <a:r>
+              <a:rPr lang="en-US" dirty="0" smtClean="0"/>
+              <a:t>Relation between types of </a:t>
+            </a:r>
+            <a:r>
+              <a:rPr lang="en-US" smtClean="0"/>
+              <a:t>violations and violation locations</a:t>
+            </a:r>
+            <a:endParaRPr lang="en-US"/>
+          </a:p>
+        </p:txBody>
+      </p:sp>
+    </p:spTree>
+    <p:extLst>
+      <p:ext uri="{BB962C8B-B14F-4D97-AF65-F5344CB8AC3E}">
+        <p14:creationId xmlns:p14="http://schemas.microsoft.com/office/powerpoint/2010/main" val="1113502215"/>
+      </p:ext>
+    </p:extLst>
+  </p:cSld>
+  <p:clrMapOvr>
+    <a:masterClrMapping/>
+  </p:clrMapOvr>
+</p:sld>
+</file>
+
+<file path=ppt/slides/slide14.xml><?xml version="1.0" encoding="utf-8"?>
+<p:sld xmlns:a="http://schemas.openxmlformats.org/drawingml/2006/main" xmlns:r="http://schemas.openxmlformats.org/officeDocument/2006/relationships" xmlns:p="http://schemas.openxmlformats.org/presentationml/2006/main">
+  <p:cSld>
+    <p:spTree>
+      <p:nvGrpSpPr>
+        <p:cNvPr id="1" name=""/>
+        <p:cNvGrpSpPr/>
+        <p:nvPr/>
+      </p:nvGrpSpPr>
+      <p:grpSpPr>
+        <a:xfrm>
+          <a:off x="0" y="0"/>
+          <a:ext cx="0" cy="0"/>
+          <a:chOff x="0" y="0"/>
+          <a:chExt cx="0" cy="0"/>
+        </a:xfrm>
+      </p:grpSpPr>
+      <p:sp>
+        <p:nvSpPr>
+          <p:cNvPr id="4" name="Title 3"/>
+          <p:cNvSpPr>
+            <a:spLocks noGrp="1"/>
+          </p:cNvSpPr>
+          <p:nvPr>
+            <p:ph type="title"/>
+          </p:nvPr>
+        </p:nvSpPr>
+        <p:spPr/>
+        <p:txBody>
+          <a:bodyPr/>
+          <a:lstStyle/>
+          <a:p>
+            <a:r>
+              <a:rPr lang="en-US" dirty="0" smtClean="0"/>
+              <a:t>Thank you for your time</a:t>
+            </a:r>
+            <a:endParaRPr lang="en-US" dirty="0"/>
+          </a:p>
+        </p:txBody>
+      </p:sp>
+      <p:pic>
+        <p:nvPicPr>
+          <p:cNvPr id="7" name="Picture Placeholder 6"/>
+          <p:cNvPicPr preferRelativeResize="0">
+            <a:picLocks noGrp="1"/>
+          </p:cNvPicPr>
+          <p:nvPr>
+            <p:ph type="pic" idx="1"/>
+          </p:nvPr>
+        </p:nvPicPr>
+        <p:blipFill>
+          <a:blip r:embed="rId2">
+            <a:extLst>
+              <a:ext uri="{28A0092B-C50C-407E-A947-70E740481C1C}">
+                <a14:useLocalDpi xmlns:a14="http://schemas.microsoft.com/office/drawing/2010/main" val="0"/>
+              </a:ext>
+            </a:extLst>
+          </a:blip>
+          <a:srcRect t="14167" b="14167"/>
+          <a:stretch>
+            <a:fillRect/>
+          </a:stretch>
+        </p:blipFill>
+        <p:spPr>
+          <a:xfrm>
+            <a:off x="0" y="0"/>
+            <a:ext cx="12191985" cy="4915076"/>
+          </a:xfrm>
+        </p:spPr>
+      </p:pic>
+      <p:sp>
+        <p:nvSpPr>
+          <p:cNvPr id="6" name="Text Placeholder 5"/>
+          <p:cNvSpPr>
+            <a:spLocks noGrp="1"/>
+          </p:cNvSpPr>
+          <p:nvPr>
+            <p:ph type="body" sz="half" idx="2"/>
+          </p:nvPr>
+        </p:nvSpPr>
+        <p:spPr/>
+        <p:txBody>
+          <a:bodyPr>
+            <a:normAutofit/>
+          </a:bodyPr>
+          <a:lstStyle/>
+          <a:p>
+            <a:r>
+              <a:rPr lang="en-US" sz="2000" dirty="0" smtClean="0"/>
+              <a:t>Team Outliers</a:t>
+            </a:r>
+            <a:endParaRPr lang="en-US" sz="2000" dirty="0"/>
+          </a:p>
+        </p:txBody>
+      </p:sp>
+    </p:spTree>
+    <p:extLst>
+      <p:ext uri="{BB962C8B-B14F-4D97-AF65-F5344CB8AC3E}">
+        <p14:creationId xmlns:p14="http://schemas.microsoft.com/office/powerpoint/2010/main" val="1075259134"/>
       </p:ext>
     </p:extLst>
   </p:cSld>
@@ -4630,178 +4838,51 @@
           <a:bodyPr/>
           <a:lstStyle/>
           <a:p>
+            <a:pPr>
+              <a:lnSpc>
+                <a:spcPct val="200000"/>
+              </a:lnSpc>
+              <a:buFont typeface="Wingdings" charset="2"/>
+              <a:buChar char="§"/>
+            </a:pPr>
+            <a:r>
+              <a:rPr lang="en-US" dirty="0" smtClean="0"/>
+              <a:t>254 million registered vehicles in the Unites States as of 2012</a:t>
+            </a:r>
+          </a:p>
+          <a:p>
+            <a:pPr>
+              <a:lnSpc>
+                <a:spcPct val="200000"/>
+              </a:lnSpc>
+              <a:buFont typeface="Wingdings" charset="2"/>
+              <a:buChar char="§"/>
+            </a:pPr>
+            <a:r>
+              <a:rPr lang="en-US" dirty="0" smtClean="0"/>
+              <a:t>Increasing traffic violations</a:t>
+            </a:r>
+          </a:p>
+          <a:p>
+            <a:pPr>
+              <a:lnSpc>
+                <a:spcPct val="200000"/>
+              </a:lnSpc>
+              <a:buFont typeface="Wingdings" charset="2"/>
+              <a:buChar char="§"/>
+            </a:pPr>
+            <a:r>
+              <a:rPr lang="en-US" dirty="0" smtClean="0"/>
+              <a:t>Helping government reduce traffic violations</a:t>
+            </a:r>
             <a:endParaRPr lang="en-US" dirty="0"/>
           </a:p>
         </p:txBody>
       </p:sp>
-      <p:pic>
-        <p:nvPicPr>
-          <p:cNvPr id="11266" name="Picture 2" descr="http://traffic-accident.biz/highresolution/l_062.png"/>
-          <p:cNvPicPr>
-            <a:picLocks noChangeAspect="1" noChangeArrowheads="1"/>
-          </p:cNvPicPr>
-          <p:nvPr/>
-        </p:nvPicPr>
-        <p:blipFill>
-          <a:blip r:embed="rId2"/>
-          <a:srcRect/>
-          <a:stretch>
-            <a:fillRect/>
-          </a:stretch>
-        </p:blipFill>
-        <p:spPr bwMode="auto">
-          <a:xfrm>
-            <a:off x="1097280" y="1845734"/>
-            <a:ext cx="3810000" cy="2667000"/>
-          </a:xfrm>
-          <a:prstGeom prst="rect">
-            <a:avLst/>
-          </a:prstGeom>
-          <a:noFill/>
-        </p:spPr>
-      </p:pic>
-      <p:pic>
-        <p:nvPicPr>
-          <p:cNvPr id="11268" name="Picture 4" descr="http://traffic-accident.biz/highresolution/l_070.png"/>
-          <p:cNvPicPr>
-            <a:picLocks noChangeAspect="1" noChangeArrowheads="1"/>
-          </p:cNvPicPr>
-          <p:nvPr/>
-        </p:nvPicPr>
-        <p:blipFill>
-          <a:blip r:embed="rId3"/>
-          <a:srcRect/>
-          <a:stretch>
-            <a:fillRect/>
-          </a:stretch>
-        </p:blipFill>
-        <p:spPr bwMode="auto">
-          <a:xfrm>
-            <a:off x="7345680" y="1845734"/>
-            <a:ext cx="3810000" cy="2667000"/>
-          </a:xfrm>
-          <a:prstGeom prst="rect">
-            <a:avLst/>
-          </a:prstGeom>
-          <a:noFill/>
-        </p:spPr>
-      </p:pic>
-      <p:sp>
-        <p:nvSpPr>
-          <p:cNvPr id="11270" name="AutoShape 6" descr="김여사에 대한 이미지 검색결과"/>
-          <p:cNvSpPr>
-            <a:spLocks noChangeAspect="1" noChangeArrowheads="1"/>
-          </p:cNvSpPr>
-          <p:nvPr/>
-        </p:nvSpPr>
-        <p:spPr bwMode="auto">
-          <a:xfrm>
-            <a:off x="168275" y="-144463"/>
-            <a:ext cx="304800" cy="304801"/>
-          </a:xfrm>
-          <a:prstGeom prst="rect">
-            <a:avLst/>
-          </a:prstGeom>
-          <a:noFill/>
-        </p:spPr>
-        <p:txBody>
-          <a:bodyPr vert="horz" wrap="square" lIns="91440" tIns="45720" rIns="91440" bIns="45720" numCol="1" anchor="t" anchorCtr="0" compatLnSpc="1">
-            <a:prstTxWarp prst="textNoShape">
-              <a:avLst/>
-            </a:prstTxWarp>
-          </a:bodyPr>
-          <a:lstStyle/>
-          <a:p>
-            <a:endParaRPr lang="ko-KR" altLang="en-US"/>
-          </a:p>
-        </p:txBody>
-      </p:sp>
-      <p:sp>
-        <p:nvSpPr>
-          <p:cNvPr id="11272" name="AutoShape 8" descr="김여사에 대한 이미지 검색결과"/>
-          <p:cNvSpPr>
-            <a:spLocks noChangeAspect="1" noChangeArrowheads="1"/>
-          </p:cNvSpPr>
-          <p:nvPr/>
-        </p:nvSpPr>
-        <p:spPr bwMode="auto">
-          <a:xfrm>
-            <a:off x="168275" y="-144463"/>
-            <a:ext cx="304800" cy="304801"/>
-          </a:xfrm>
-          <a:prstGeom prst="rect">
-            <a:avLst/>
-          </a:prstGeom>
-          <a:noFill/>
-        </p:spPr>
-        <p:txBody>
-          <a:bodyPr vert="horz" wrap="square" lIns="91440" tIns="45720" rIns="91440" bIns="45720" numCol="1" anchor="t" anchorCtr="0" compatLnSpc="1">
-            <a:prstTxWarp prst="textNoShape">
-              <a:avLst/>
-            </a:prstTxWarp>
-          </a:bodyPr>
-          <a:lstStyle/>
-          <a:p>
-            <a:endParaRPr lang="ko-KR" altLang="en-US"/>
-          </a:p>
-        </p:txBody>
-      </p:sp>
-      <p:pic>
-        <p:nvPicPr>
-          <p:cNvPr id="11274" name="Picture 10" descr="http://cfile10.uf.tistory.com/image/120F0F274C0551E203D899"/>
-          <p:cNvPicPr>
-            <a:picLocks noChangeAspect="1" noChangeArrowheads="1"/>
-          </p:cNvPicPr>
-          <p:nvPr/>
-        </p:nvPicPr>
-        <p:blipFill>
-          <a:blip r:embed="rId4"/>
-          <a:srcRect/>
-          <a:stretch>
-            <a:fillRect/>
-          </a:stretch>
-        </p:blipFill>
-        <p:spPr bwMode="auto">
-          <a:xfrm>
-            <a:off x="1678729" y="2194560"/>
-            <a:ext cx="4743450" cy="3162301"/>
-          </a:xfrm>
-          <a:prstGeom prst="rect">
-            <a:avLst/>
-          </a:prstGeom>
-          <a:noFill/>
-        </p:spPr>
-      </p:pic>
-      <p:pic>
-        <p:nvPicPr>
-          <p:cNvPr id="11276" name="Picture 12" descr="http://blog.besunny.com/wp-content/uploads/1/cfile5.uf.184E7E3450051CCA1F7358.jpg"/>
-          <p:cNvPicPr>
-            <a:picLocks noChangeAspect="1" noChangeArrowheads="1"/>
-          </p:cNvPicPr>
-          <p:nvPr/>
-        </p:nvPicPr>
-        <p:blipFill>
-          <a:blip r:embed="rId5"/>
-          <a:srcRect/>
-          <a:stretch>
-            <a:fillRect/>
-          </a:stretch>
-        </p:blipFill>
-        <p:spPr bwMode="auto">
-          <a:xfrm>
-            <a:off x="3605741" y="1868593"/>
-            <a:ext cx="6191250" cy="4000501"/>
-          </a:xfrm>
-          <a:prstGeom prst="rect">
-            <a:avLst/>
-          </a:prstGeom>
-          <a:noFill/>
-        </p:spPr>
-      </p:pic>
     </p:spTree>
     <p:extLst>
       <p:ext uri="{BB962C8B-B14F-4D97-AF65-F5344CB8AC3E}">
-        <p14:creationId xmlns:p14="http://schemas.microsoft.com/office/powerpoint/2010/main" xmlns="" val="555996658"/>
+        <p14:creationId xmlns:p14="http://schemas.microsoft.com/office/powerpoint/2010/main" val="555996658"/>
       </p:ext>
     </p:extLst>
   </p:cSld>
@@ -4852,7 +4933,7 @@
           <a:p>
             <a:r>
               <a:rPr lang="en-US" dirty="0" smtClean="0"/>
-              <a:t>Questions</a:t>
+              <a:t>Our Dataset</a:t>
             </a:r>
             <a:endParaRPr lang="en-US" dirty="0"/>
           </a:p>
@@ -4868,16 +4949,9 @@
             <p:ph idx="1"/>
           </p:nvPr>
         </p:nvSpPr>
-        <p:spPr>
-          <a:xfrm>
-            <a:off x="1097280" y="1845734"/>
-            <a:ext cx="10058400" cy="4517488"/>
-          </a:xfrm>
-        </p:spPr>
-        <p:txBody>
-          <a:bodyPr>
-            <a:normAutofit/>
-          </a:bodyPr>
+        <p:spPr/>
+        <p:txBody>
+          <a:bodyPr/>
           <a:lstStyle/>
           <a:p>
             <a:pPr>
@@ -4888,8 +4962,28 @@
               <a:buChar char="§"/>
             </a:pPr>
             <a:r>
+              <a:rPr lang="en-US" dirty="0"/>
+              <a:t>T</a:t>
+            </a:r>
+            <a:r>
               <a:rPr lang="en-US" dirty="0" smtClean="0"/>
-              <a:t>Q1 : How are the traffic violations distributed?</a:t>
+              <a:t>raffic </a:t>
+            </a:r>
+            <a:r>
+              <a:rPr lang="en-US" dirty="0"/>
+              <a:t>violation </a:t>
+            </a:r>
+            <a:r>
+              <a:rPr lang="en-US" dirty="0" smtClean="0"/>
+              <a:t>data in </a:t>
+            </a:r>
+            <a:r>
+              <a:rPr lang="en-US" dirty="0"/>
+              <a:t>the </a:t>
+            </a:r>
+            <a:r>
+              <a:rPr lang="en-US" dirty="0" smtClean="0"/>
+              <a:t>Montgomery County, Maryland</a:t>
             </a:r>
           </a:p>
           <a:p>
@@ -4902,7 +4996,7 @@
             </a:pPr>
             <a:r>
               <a:rPr lang="en-US" dirty="0" smtClean="0"/>
-              <a:t>Q2 : What are the differences in characteristics on traffic violations between genders?</a:t>
+              <a:t>About 680000 entries from 2012 to 2015</a:t>
             </a:r>
           </a:p>
           <a:p>
@@ -4915,15 +5009,23 @@
             </a:pPr>
             <a:r>
               <a:rPr lang="en-US" dirty="0" smtClean="0"/>
-              <a:t>Q3 : What is the trend of the number of traffic violations in time series?</a:t>
-            </a:r>
+              <a:t>The dataset includes information about:</a:t>
+            </a:r>
+            <a:br>
+              <a:rPr lang="en-US" dirty="0" smtClean="0"/>
+            </a:br>
+            <a:r>
+              <a:rPr lang="en-US" dirty="0" smtClean="0"/>
+              <a:t> - date, longitude, latitude, belts, fatality, alcohol, vehicle’s model, race, gender and etc.</a:t>
+            </a:r>
+            <a:endParaRPr lang="en-US" dirty="0"/>
           </a:p>
         </p:txBody>
       </p:sp>
     </p:spTree>
     <p:extLst>
       <p:ext uri="{BB962C8B-B14F-4D97-AF65-F5344CB8AC3E}">
-        <p14:creationId xmlns:p14="http://schemas.microsoft.com/office/powerpoint/2010/main" xmlns="" val="201690613"/>
+        <p14:creationId xmlns:p14="http://schemas.microsoft.com/office/powerpoint/2010/main" val="413360099"/>
       </p:ext>
     </p:extLst>
   </p:cSld>
@@ -4974,7 +5076,7 @@
           <a:p>
             <a:r>
               <a:rPr lang="en-US" dirty="0" smtClean="0"/>
-              <a:t>Our Dataset</a:t>
+              <a:t>Questions</a:t>
             </a:r>
             <a:endParaRPr lang="en-US" dirty="0"/>
           </a:p>
@@ -4990,9 +5092,16 @@
             <p:ph idx="1"/>
           </p:nvPr>
         </p:nvSpPr>
-        <p:spPr/>
-        <p:txBody>
-          <a:bodyPr/>
+        <p:spPr>
+          <a:xfrm>
+            <a:off x="1097280" y="1845734"/>
+            <a:ext cx="10058400" cy="4517488"/>
+          </a:xfrm>
+        </p:spPr>
+        <p:txBody>
+          <a:bodyPr>
+            <a:normAutofit/>
+          </a:bodyPr>
           <a:lstStyle/>
           <a:p>
             <a:pPr>
@@ -5003,28 +5112,8 @@
               <a:buChar char="§"/>
             </a:pPr>
             <a:r>
-              <a:rPr lang="en-US" dirty="0"/>
-              <a:t>T</a:t>
-            </a:r>
-            <a:r>
               <a:rPr lang="en-US" dirty="0" smtClean="0"/>
-              <a:t>raffic </a:t>
-            </a:r>
-            <a:r>
-              <a:rPr lang="en-US" dirty="0"/>
-              <a:t>violation </a:t>
-            </a:r>
-            <a:r>
-              <a:rPr lang="en-US" dirty="0" smtClean="0"/>
-              <a:t>data in </a:t>
-            </a:r>
-            <a:r>
-              <a:rPr lang="en-US" dirty="0"/>
-              <a:t>the </a:t>
-            </a:r>
-            <a:r>
-              <a:rPr lang="en-US" dirty="0" smtClean="0"/>
-              <a:t>Montgomery County, Maryland</a:t>
+              <a:t>Q1 : How are the traffic violations distributed?</a:t>
             </a:r>
           </a:p>
           <a:p>
@@ -5037,7 +5126,7 @@
             </a:pPr>
             <a:r>
               <a:rPr lang="en-US" dirty="0" smtClean="0"/>
-              <a:t>About 680000 entries from 2012 to 2015</a:t>
+              <a:t>Q2 : What are the differences in characteristics on traffic violations between genders?</a:t>
             </a:r>
           </a:p>
           <a:p>
@@ -5050,23 +5139,15 @@
             </a:pPr>
             <a:r>
               <a:rPr lang="en-US" dirty="0" smtClean="0"/>
-              <a:t>The dataset includes information about:</a:t>
-            </a:r>
-            <a:br>
-              <a:rPr lang="en-US" dirty="0" smtClean="0"/>
-            </a:br>
-            <a:r>
-              <a:rPr lang="en-US" dirty="0" smtClean="0"/>
-              <a:t> - date, longitude, latitude, belts, fatality, alcohol, vehicle’s model, race, gender and etc.</a:t>
-            </a:r>
-            <a:endParaRPr lang="en-US" dirty="0"/>
+              <a:t>Q3 : What is the trend of the number of traffic violations in time series?</a:t>
+            </a:r>
           </a:p>
         </p:txBody>
       </p:sp>
     </p:spTree>
     <p:extLst>
       <p:ext uri="{BB962C8B-B14F-4D97-AF65-F5344CB8AC3E}">
-        <p14:creationId xmlns:p14="http://schemas.microsoft.com/office/powerpoint/2010/main" xmlns="" val="413360099"/>
+        <p14:creationId xmlns:p14="http://schemas.microsoft.com/office/powerpoint/2010/main" val="201690613"/>
       </p:ext>
     </p:extLst>
   </p:cSld>
@@ -5236,7 +5317,7 @@
           <a:blip r:embed="rId2">
             <a:extLst>
               <a:ext uri="{28A0092B-C50C-407E-A947-70E740481C1C}">
-                <a14:useLocalDpi xmlns:a14="http://schemas.microsoft.com/office/drawing/2010/main" xmlns="" val="0"/>
+                <a14:useLocalDpi xmlns:a14="http://schemas.microsoft.com/office/drawing/2010/main" val="0"/>
               </a:ext>
             </a:extLst>
           </a:blip>
@@ -5257,14 +5338,14 @@
           </a:ln>
           <a:extLst>
             <a:ext uri="{909E8E84-426E-40DD-AFC4-6F175D3DCCD1}">
-              <a14:hiddenFill xmlns:a14="http://schemas.microsoft.com/office/drawing/2010/main" xmlns="">
+              <a14:hiddenFill xmlns:a14="http://schemas.microsoft.com/office/drawing/2010/main">
                 <a:solidFill>
                   <a:srgbClr val="FFFFFF"/>
                 </a:solidFill>
               </a14:hiddenFill>
             </a:ext>
             <a:ext uri="{91240B29-F687-4F45-9708-019B960494DF}">
-              <a14:hiddenLine xmlns:a14="http://schemas.microsoft.com/office/drawing/2010/main" xmlns="" w="9525">
+              <a14:hiddenLine xmlns:a14="http://schemas.microsoft.com/office/drawing/2010/main" w="9525">
                 <a:solidFill>
                   <a:srgbClr val="000000"/>
                 </a:solidFill>
@@ -5288,7 +5369,7 @@
           <a:blip r:embed="rId3">
             <a:extLst>
               <a:ext uri="{28A0092B-C50C-407E-A947-70E740481C1C}">
-                <a14:useLocalDpi xmlns:a14="http://schemas.microsoft.com/office/drawing/2010/main" xmlns="" val="0"/>
+                <a14:useLocalDpi xmlns:a14="http://schemas.microsoft.com/office/drawing/2010/main" val="0"/>
               </a:ext>
             </a:extLst>
           </a:blip>
@@ -5309,14 +5390,14 @@
           </a:ln>
           <a:extLst>
             <a:ext uri="{909E8E84-426E-40DD-AFC4-6F175D3DCCD1}">
-              <a14:hiddenFill xmlns:a14="http://schemas.microsoft.com/office/drawing/2010/main" xmlns="">
+              <a14:hiddenFill xmlns:a14="http://schemas.microsoft.com/office/drawing/2010/main">
                 <a:solidFill>
                   <a:srgbClr val="FFFFFF"/>
                 </a:solidFill>
               </a14:hiddenFill>
             </a:ext>
             <a:ext uri="{91240B29-F687-4F45-9708-019B960494DF}">
-              <a14:hiddenLine xmlns:a14="http://schemas.microsoft.com/office/drawing/2010/main" xmlns="" w="9525">
+              <a14:hiddenLine xmlns:a14="http://schemas.microsoft.com/office/drawing/2010/main" w="9525">
                 <a:solidFill>
                   <a:srgbClr val="000000"/>
                 </a:solidFill>
@@ -5331,7 +5412,7 @@
     </p:spTree>
     <p:extLst>
       <p:ext uri="{BB962C8B-B14F-4D97-AF65-F5344CB8AC3E}">
-        <p14:creationId xmlns:p14="http://schemas.microsoft.com/office/powerpoint/2010/main" xmlns="" val="1779451238"/>
+        <p14:creationId xmlns:p14="http://schemas.microsoft.com/office/powerpoint/2010/main" val="1779451238"/>
       </p:ext>
     </p:extLst>
   </p:cSld>
@@ -5564,7 +5645,7 @@
           <a:blip r:embed="rId2">
             <a:extLst>
               <a:ext uri="{28A0092B-C50C-407E-A947-70E740481C1C}">
-                <a14:useLocalDpi xmlns:a14="http://schemas.microsoft.com/office/drawing/2010/main" xmlns="" val="0"/>
+                <a14:useLocalDpi xmlns:a14="http://schemas.microsoft.com/office/drawing/2010/main" val="0"/>
               </a:ext>
             </a:extLst>
           </a:blip>
@@ -5585,14 +5666,14 @@
           </a:ln>
           <a:extLst>
             <a:ext uri="{909E8E84-426E-40DD-AFC4-6F175D3DCCD1}">
-              <a14:hiddenFill xmlns:a14="http://schemas.microsoft.com/office/drawing/2010/main" xmlns="">
+              <a14:hiddenFill xmlns:a14="http://schemas.microsoft.com/office/drawing/2010/main">
                 <a:solidFill>
                   <a:srgbClr val="FFFFFF"/>
                 </a:solidFill>
               </a14:hiddenFill>
             </a:ext>
             <a:ext uri="{91240B29-F687-4F45-9708-019B960494DF}">
-              <a14:hiddenLine xmlns:a14="http://schemas.microsoft.com/office/drawing/2010/main" xmlns="" w="9525">
+              <a14:hiddenLine xmlns:a14="http://schemas.microsoft.com/office/drawing/2010/main" w="9525">
                 <a:solidFill>
                   <a:srgbClr val="000000"/>
                 </a:solidFill>
@@ -5616,7 +5697,7 @@
           <a:blip r:embed="rId3">
             <a:extLst>
               <a:ext uri="{28A0092B-C50C-407E-A947-70E740481C1C}">
-                <a14:useLocalDpi xmlns:a14="http://schemas.microsoft.com/office/drawing/2010/main" xmlns="" val="0"/>
+                <a14:useLocalDpi xmlns:a14="http://schemas.microsoft.com/office/drawing/2010/main" val="0"/>
               </a:ext>
             </a:extLst>
           </a:blip>
@@ -5634,7 +5715,7 @@
           <a:noFill/>
           <a:extLst>
             <a:ext uri="{909E8E84-426E-40DD-AFC4-6F175D3DCCD1}">
-              <a14:hiddenFill xmlns:a14="http://schemas.microsoft.com/office/drawing/2010/main" xmlns="">
+              <a14:hiddenFill xmlns:a14="http://schemas.microsoft.com/office/drawing/2010/main">
                 <a:solidFill>
                   <a:srgbClr val="FFFFFF"/>
                 </a:solidFill>
@@ -5768,7 +5849,7 @@
     </p:spTree>
     <p:extLst>
       <p:ext uri="{BB962C8B-B14F-4D97-AF65-F5344CB8AC3E}">
-        <p14:creationId xmlns:p14="http://schemas.microsoft.com/office/powerpoint/2010/main" xmlns="" val="1518260757"/>
+        <p14:creationId xmlns:p14="http://schemas.microsoft.com/office/powerpoint/2010/main" val="1518260757"/>
       </p:ext>
     </p:extLst>
   </p:cSld>
@@ -5843,7 +5924,7 @@
         </p:spPr>
         <p:txBody>
           <a:bodyPr>
-            <a:normAutofit/>
+            <a:normAutofit fontScale="92500" lnSpcReduction="10000"/>
           </a:bodyPr>
           <a:lstStyle/>
           <a:p>
@@ -5868,6 +5949,23 @@
               <a:buChar char="§"/>
             </a:pPr>
             <a:r>
+              <a:rPr lang="en-US" sz="1600" dirty="0">
+                <a:solidFill>
+                  <a:schemeClr val="bg1"/>
+                </a:solidFill>
+              </a:rPr>
+              <a:t>Student’s t-test</a:t>
+            </a:r>
+          </a:p>
+          <a:p>
+            <a:pPr marL="742950" lvl="1" indent="-285750">
+              <a:lnSpc>
+                <a:spcPct val="200000"/>
+              </a:lnSpc>
+              <a:buFont typeface="Wingdings" charset="2"/>
+              <a:buChar char="§"/>
+            </a:pPr>
+            <a:r>
               <a:rPr lang="en-US" sz="1600" dirty="0" smtClean="0">
                 <a:solidFill>
                   <a:schemeClr val="bg1"/>
@@ -5945,7 +6043,7 @@
           <a:blip r:embed="rId2">
             <a:extLst>
               <a:ext uri="{28A0092B-C50C-407E-A947-70E740481C1C}">
-                <a14:useLocalDpi xmlns:a14="http://schemas.microsoft.com/office/drawing/2010/main" xmlns="" val="0"/>
+                <a14:useLocalDpi xmlns:a14="http://schemas.microsoft.com/office/drawing/2010/main" val="0"/>
               </a:ext>
             </a:extLst>
           </a:blip>
@@ -5965,7 +6063,7 @@
           <a:noFill/>
           <a:extLst>
             <a:ext uri="{909E8E84-426E-40DD-AFC4-6F175D3DCCD1}">
-              <a14:hiddenFill xmlns:a14="http://schemas.microsoft.com/office/drawing/2010/main" xmlns="">
+              <a14:hiddenFill xmlns:a14="http://schemas.microsoft.com/office/drawing/2010/main">
                 <a:solidFill>
                   <a:srgbClr val="FFFFFF"/>
                 </a:solidFill>
@@ -5977,7 +6075,7 @@
     </p:spTree>
     <p:extLst>
       <p:ext uri="{BB962C8B-B14F-4D97-AF65-F5344CB8AC3E}">
-        <p14:creationId xmlns:p14="http://schemas.microsoft.com/office/powerpoint/2010/main" xmlns="" val="1199420528"/>
+        <p14:creationId xmlns:p14="http://schemas.microsoft.com/office/powerpoint/2010/main" val="1199420528"/>
       </p:ext>
     </p:extLst>
   </p:cSld>
@@ -6034,112 +6132,6 @@
           </a:p>
         </p:txBody>
       </p:sp>
-      <p:sp>
-        <p:nvSpPr>
-          <p:cNvPr id="5" name="Text Placeholder 4"/>
-          <p:cNvSpPr>
-            <a:spLocks noGrp="1"/>
-          </p:cNvSpPr>
-          <p:nvPr>
-            <p:ph type="body" sz="half" idx="2"/>
-          </p:nvPr>
-        </p:nvSpPr>
-        <p:spPr>
-          <a:xfrm>
-            <a:off x="457199" y="2926080"/>
-            <a:ext cx="3538603" cy="3931920"/>
-          </a:xfrm>
-        </p:spPr>
-        <p:txBody>
-          <a:bodyPr>
-            <a:normAutofit/>
-          </a:bodyPr>
-          <a:lstStyle/>
-          <a:p>
-            <a:pPr marL="285750" indent="-285750">
-              <a:lnSpc>
-                <a:spcPct val="200000"/>
-              </a:lnSpc>
-              <a:buFont typeface="Wingdings" charset="2"/>
-              <a:buChar char="§"/>
-            </a:pPr>
-            <a:r>
-              <a:rPr lang="en-US" sz="1800" dirty="0" smtClean="0"/>
-              <a:t>Methods</a:t>
-            </a:r>
-          </a:p>
-          <a:p>
-            <a:pPr marL="742950" lvl="1" indent="-285750">
-              <a:lnSpc>
-                <a:spcPct val="200000"/>
-              </a:lnSpc>
-              <a:buFont typeface="Wingdings" charset="2"/>
-              <a:buChar char="§"/>
-            </a:pPr>
-            <a:r>
-              <a:rPr lang="en-US" sz="1600" dirty="0" smtClean="0">
-                <a:solidFill>
-                  <a:schemeClr val="bg1"/>
-                </a:solidFill>
-              </a:rPr>
-              <a:t>Linear regression</a:t>
-            </a:r>
-          </a:p>
-          <a:p>
-            <a:pPr marL="285750" indent="-285750">
-              <a:lnSpc>
-                <a:spcPct val="200000"/>
-              </a:lnSpc>
-              <a:buFont typeface="Wingdings" charset="2"/>
-              <a:buChar char="§"/>
-            </a:pPr>
-            <a:r>
-              <a:rPr lang="en-US" sz="1800" dirty="0" smtClean="0"/>
-              <a:t>Results</a:t>
-            </a:r>
-            <a:endParaRPr lang="en-US" dirty="0" smtClean="0"/>
-          </a:p>
-          <a:p>
-            <a:pPr marL="742950" lvl="1" indent="-285750">
-              <a:lnSpc>
-                <a:spcPct val="200000"/>
-              </a:lnSpc>
-              <a:buFont typeface="Wingdings" charset="2"/>
-              <a:buChar char="§"/>
-            </a:pPr>
-            <a:r>
-              <a:rPr lang="en-US" sz="1600" dirty="0">
-                <a:solidFill>
-                  <a:schemeClr val="bg1"/>
-                </a:solidFill>
-              </a:rPr>
-              <a:t>B</a:t>
-            </a:r>
-            <a:r>
-              <a:rPr lang="en-US" sz="1600" dirty="0" smtClean="0">
-                <a:solidFill>
-                  <a:schemeClr val="bg1"/>
-                </a:solidFill>
-              </a:rPr>
-              <a:t>ar plots of monthly and yearly violation count</a:t>
-            </a:r>
-          </a:p>
-          <a:p>
-            <a:pPr marL="285750" indent="-285750">
-              <a:lnSpc>
-                <a:spcPct val="200000"/>
-              </a:lnSpc>
-              <a:buFont typeface="Wingdings" charset="2"/>
-              <a:buChar char="§"/>
-            </a:pPr>
-            <a:r>
-              <a:rPr lang="en-US" sz="1800" dirty="0" smtClean="0"/>
-              <a:t>Interpretation</a:t>
-            </a:r>
-            <a:endParaRPr lang="en-US" dirty="0"/>
-          </a:p>
-        </p:txBody>
-      </p:sp>
       <p:pic>
         <p:nvPicPr>
           <p:cNvPr id="6" name="Picture 4" descr="p13"/>
@@ -6154,7 +6146,7 @@
           <a:blip r:embed="rId2">
             <a:extLst>
               <a:ext uri="{28A0092B-C50C-407E-A947-70E740481C1C}">
-                <a14:useLocalDpi xmlns:a14="http://schemas.microsoft.com/office/drawing/2010/main" xmlns="" val="0"/>
+                <a14:useLocalDpi xmlns:a14="http://schemas.microsoft.com/office/drawing/2010/main" val="0"/>
               </a:ext>
             </a:extLst>
           </a:blip>
@@ -6174,7 +6166,7 @@
           <a:noFill/>
           <a:extLst>
             <a:ext uri="{909E8E84-426E-40DD-AFC4-6F175D3DCCD1}">
-              <a14:hiddenFill xmlns:a14="http://schemas.microsoft.com/office/drawing/2010/main" xmlns="">
+              <a14:hiddenFill xmlns:a14="http://schemas.microsoft.com/office/drawing/2010/main">
                 <a:solidFill>
                   <a:srgbClr val="FFFFFF"/>
                 </a:solidFill>
@@ -6183,10 +6175,133 @@
           </a:extLst>
         </p:spPr>
       </p:pic>
+      <p:sp>
+        <p:nvSpPr>
+          <p:cNvPr id="8" name="Text Placeholder 4"/>
+          <p:cNvSpPr>
+            <a:spLocks noGrp="1"/>
+          </p:cNvSpPr>
+          <p:nvPr>
+            <p:ph type="body" sz="half" idx="2"/>
+          </p:nvPr>
+        </p:nvSpPr>
+        <p:spPr>
+          <a:xfrm>
+            <a:off x="457199" y="2926080"/>
+            <a:ext cx="3538603" cy="3931920"/>
+          </a:xfrm>
+        </p:spPr>
+        <p:txBody>
+          <a:bodyPr>
+            <a:normAutofit fontScale="92500" lnSpcReduction="10000"/>
+          </a:bodyPr>
+          <a:lstStyle/>
+          <a:p>
+            <a:pPr marL="285750" indent="-285750">
+              <a:lnSpc>
+                <a:spcPct val="200000"/>
+              </a:lnSpc>
+              <a:buFont typeface="Wingdings" charset="2"/>
+              <a:buChar char="§"/>
+            </a:pPr>
+            <a:r>
+              <a:rPr lang="en-US" sz="1800" dirty="0" smtClean="0"/>
+              <a:t>Methods</a:t>
+            </a:r>
+          </a:p>
+          <a:p>
+            <a:pPr marL="742950" lvl="1" indent="-285750">
+              <a:lnSpc>
+                <a:spcPct val="200000"/>
+              </a:lnSpc>
+              <a:buFont typeface="Wingdings" charset="2"/>
+              <a:buChar char="§"/>
+            </a:pPr>
+            <a:r>
+              <a:rPr lang="en-US" sz="1600" dirty="0">
+                <a:solidFill>
+                  <a:schemeClr val="bg1"/>
+                </a:solidFill>
+              </a:rPr>
+              <a:t>Student’s t-test</a:t>
+            </a:r>
+          </a:p>
+          <a:p>
+            <a:pPr marL="742950" lvl="1" indent="-285750">
+              <a:lnSpc>
+                <a:spcPct val="200000"/>
+              </a:lnSpc>
+              <a:buFont typeface="Wingdings" charset="2"/>
+              <a:buChar char="§"/>
+            </a:pPr>
+            <a:r>
+              <a:rPr lang="en-US" sz="1600" dirty="0" smtClean="0">
+                <a:solidFill>
+                  <a:schemeClr val="bg1"/>
+                </a:solidFill>
+              </a:rPr>
+              <a:t>Linear regression</a:t>
+            </a:r>
+          </a:p>
+          <a:p>
+            <a:pPr marL="285750" indent="-285750">
+              <a:lnSpc>
+                <a:spcPct val="200000"/>
+              </a:lnSpc>
+              <a:buFont typeface="Wingdings" charset="2"/>
+              <a:buChar char="§"/>
+            </a:pPr>
+            <a:r>
+              <a:rPr lang="en-US" sz="1800" dirty="0" smtClean="0"/>
+              <a:t>Results</a:t>
+            </a:r>
+            <a:endParaRPr lang="en-US" dirty="0" smtClean="0"/>
+          </a:p>
+          <a:p>
+            <a:pPr marL="742950" lvl="1" indent="-285750">
+              <a:lnSpc>
+                <a:spcPct val="200000"/>
+              </a:lnSpc>
+              <a:buFont typeface="Wingdings" charset="2"/>
+              <a:buChar char="§"/>
+            </a:pPr>
+            <a:r>
+              <a:rPr lang="en-US" sz="1600" dirty="0">
+                <a:solidFill>
+                  <a:schemeClr val="bg1"/>
+                </a:solidFill>
+              </a:rPr>
+              <a:t>B</a:t>
+            </a:r>
+            <a:r>
+              <a:rPr lang="en-US" sz="1600" dirty="0" smtClean="0">
+                <a:solidFill>
+                  <a:schemeClr val="bg1"/>
+                </a:solidFill>
+              </a:rPr>
+              <a:t>ar plots of monthly and yearly violation count</a:t>
+            </a:r>
+          </a:p>
+          <a:p>
+            <a:pPr marL="285750" indent="-285750">
+              <a:lnSpc>
+                <a:spcPct val="200000"/>
+              </a:lnSpc>
+              <a:buFont typeface="Wingdings" charset="2"/>
+              <a:buChar char="§"/>
+            </a:pPr>
+            <a:r>
+              <a:rPr lang="en-US" sz="1800" dirty="0" smtClean="0"/>
+              <a:t>Interpretation</a:t>
+            </a:r>
+            <a:endParaRPr lang="en-US" dirty="0"/>
+          </a:p>
+        </p:txBody>
+      </p:sp>
     </p:spTree>
     <p:extLst>
       <p:ext uri="{BB962C8B-B14F-4D97-AF65-F5344CB8AC3E}">
-        <p14:creationId xmlns:p14="http://schemas.microsoft.com/office/powerpoint/2010/main" xmlns="" val="1230674396"/>
+        <p14:creationId xmlns:p14="http://schemas.microsoft.com/office/powerpoint/2010/main" val="1230674396"/>
       </p:ext>
     </p:extLst>
   </p:cSld>
@@ -6243,112 +6358,6 @@
           </a:p>
         </p:txBody>
       </p:sp>
-      <p:sp>
-        <p:nvSpPr>
-          <p:cNvPr id="5" name="Text Placeholder 4"/>
-          <p:cNvSpPr>
-            <a:spLocks noGrp="1"/>
-          </p:cNvSpPr>
-          <p:nvPr>
-            <p:ph type="body" sz="half" idx="2"/>
-          </p:nvPr>
-        </p:nvSpPr>
-        <p:spPr>
-          <a:xfrm>
-            <a:off x="457199" y="2926080"/>
-            <a:ext cx="3538603" cy="3931920"/>
-          </a:xfrm>
-        </p:spPr>
-        <p:txBody>
-          <a:bodyPr>
-            <a:normAutofit/>
-          </a:bodyPr>
-          <a:lstStyle/>
-          <a:p>
-            <a:pPr marL="285750" indent="-285750">
-              <a:lnSpc>
-                <a:spcPct val="200000"/>
-              </a:lnSpc>
-              <a:buFont typeface="Wingdings" charset="2"/>
-              <a:buChar char="§"/>
-            </a:pPr>
-            <a:r>
-              <a:rPr lang="en-US" sz="1800" dirty="0" smtClean="0"/>
-              <a:t>Methods</a:t>
-            </a:r>
-          </a:p>
-          <a:p>
-            <a:pPr marL="742950" lvl="1" indent="-285750">
-              <a:lnSpc>
-                <a:spcPct val="200000"/>
-              </a:lnSpc>
-              <a:buFont typeface="Wingdings" charset="2"/>
-              <a:buChar char="§"/>
-            </a:pPr>
-            <a:r>
-              <a:rPr lang="en-US" sz="1600" dirty="0" smtClean="0">
-                <a:solidFill>
-                  <a:schemeClr val="bg1"/>
-                </a:solidFill>
-              </a:rPr>
-              <a:t>Linear regression</a:t>
-            </a:r>
-          </a:p>
-          <a:p>
-            <a:pPr marL="285750" indent="-285750">
-              <a:lnSpc>
-                <a:spcPct val="200000"/>
-              </a:lnSpc>
-              <a:buFont typeface="Wingdings" charset="2"/>
-              <a:buChar char="§"/>
-            </a:pPr>
-            <a:r>
-              <a:rPr lang="en-US" sz="1800" dirty="0" smtClean="0"/>
-              <a:t>Results</a:t>
-            </a:r>
-            <a:endParaRPr lang="en-US" dirty="0" smtClean="0"/>
-          </a:p>
-          <a:p>
-            <a:pPr marL="742950" lvl="1" indent="-285750">
-              <a:lnSpc>
-                <a:spcPct val="200000"/>
-              </a:lnSpc>
-              <a:buFont typeface="Wingdings" charset="2"/>
-              <a:buChar char="§"/>
-            </a:pPr>
-            <a:r>
-              <a:rPr lang="en-US" sz="1600" dirty="0">
-                <a:solidFill>
-                  <a:schemeClr val="bg1"/>
-                </a:solidFill>
-              </a:rPr>
-              <a:t>B</a:t>
-            </a:r>
-            <a:r>
-              <a:rPr lang="en-US" sz="1600" dirty="0" smtClean="0">
-                <a:solidFill>
-                  <a:schemeClr val="bg1"/>
-                </a:solidFill>
-              </a:rPr>
-              <a:t>ar plots of monthly and yearly violation count</a:t>
-            </a:r>
-          </a:p>
-          <a:p>
-            <a:pPr marL="285750" indent="-285750">
-              <a:lnSpc>
-                <a:spcPct val="200000"/>
-              </a:lnSpc>
-              <a:buFont typeface="Wingdings" charset="2"/>
-              <a:buChar char="§"/>
-            </a:pPr>
-            <a:r>
-              <a:rPr lang="en-US" sz="1800" dirty="0" smtClean="0"/>
-              <a:t>Interpretation</a:t>
-            </a:r>
-            <a:endParaRPr lang="en-US" dirty="0"/>
-          </a:p>
-        </p:txBody>
-      </p:sp>
       <p:pic>
         <p:nvPicPr>
           <p:cNvPr id="7" name="Picture 4" descr="p14"/>
@@ -6363,7 +6372,7 @@
           <a:blip r:embed="rId2">
             <a:extLst>
               <a:ext uri="{28A0092B-C50C-407E-A947-70E740481C1C}">
-                <a14:useLocalDpi xmlns:a14="http://schemas.microsoft.com/office/drawing/2010/main" xmlns="" val="0"/>
+                <a14:useLocalDpi xmlns:a14="http://schemas.microsoft.com/office/drawing/2010/main" val="0"/>
               </a:ext>
             </a:extLst>
           </a:blip>
@@ -6383,7 +6392,7 @@
           <a:noFill/>
           <a:extLst>
             <a:ext uri="{909E8E84-426E-40DD-AFC4-6F175D3DCCD1}">
-              <a14:hiddenFill xmlns:a14="http://schemas.microsoft.com/office/drawing/2010/main" xmlns="">
+              <a14:hiddenFill xmlns:a14="http://schemas.microsoft.com/office/drawing/2010/main">
                 <a:solidFill>
                   <a:srgbClr val="FFFFFF"/>
                 </a:solidFill>
@@ -6392,10 +6401,133 @@
           </a:extLst>
         </p:spPr>
       </p:pic>
+      <p:sp>
+        <p:nvSpPr>
+          <p:cNvPr id="6" name="Text Placeholder 4"/>
+          <p:cNvSpPr>
+            <a:spLocks noGrp="1"/>
+          </p:cNvSpPr>
+          <p:nvPr>
+            <p:ph type="body" sz="half" idx="2"/>
+          </p:nvPr>
+        </p:nvSpPr>
+        <p:spPr>
+          <a:xfrm>
+            <a:off x="457199" y="2926080"/>
+            <a:ext cx="3538603" cy="3931920"/>
+          </a:xfrm>
+        </p:spPr>
+        <p:txBody>
+          <a:bodyPr>
+            <a:normAutofit fontScale="92500" lnSpcReduction="10000"/>
+          </a:bodyPr>
+          <a:lstStyle/>
+          <a:p>
+            <a:pPr marL="285750" indent="-285750">
+              <a:lnSpc>
+                <a:spcPct val="200000"/>
+              </a:lnSpc>
+              <a:buFont typeface="Wingdings" charset="2"/>
+              <a:buChar char="§"/>
+            </a:pPr>
+            <a:r>
+              <a:rPr lang="en-US" sz="1800" dirty="0" smtClean="0"/>
+              <a:t>Methods</a:t>
+            </a:r>
+          </a:p>
+          <a:p>
+            <a:pPr marL="742950" lvl="1" indent="-285750">
+              <a:lnSpc>
+                <a:spcPct val="200000"/>
+              </a:lnSpc>
+              <a:buFont typeface="Wingdings" charset="2"/>
+              <a:buChar char="§"/>
+            </a:pPr>
+            <a:r>
+              <a:rPr lang="en-US" sz="1600" dirty="0">
+                <a:solidFill>
+                  <a:schemeClr val="bg1"/>
+                </a:solidFill>
+              </a:rPr>
+              <a:t>Student’s t-test</a:t>
+            </a:r>
+          </a:p>
+          <a:p>
+            <a:pPr marL="742950" lvl="1" indent="-285750">
+              <a:lnSpc>
+                <a:spcPct val="200000"/>
+              </a:lnSpc>
+              <a:buFont typeface="Wingdings" charset="2"/>
+              <a:buChar char="§"/>
+            </a:pPr>
+            <a:r>
+              <a:rPr lang="en-US" sz="1600" dirty="0" smtClean="0">
+                <a:solidFill>
+                  <a:schemeClr val="bg1"/>
+                </a:solidFill>
+              </a:rPr>
+              <a:t>Linear regression</a:t>
+            </a:r>
+          </a:p>
+          <a:p>
+            <a:pPr marL="285750" indent="-285750">
+              <a:lnSpc>
+                <a:spcPct val="200000"/>
+              </a:lnSpc>
+              <a:buFont typeface="Wingdings" charset="2"/>
+              <a:buChar char="§"/>
+            </a:pPr>
+            <a:r>
+              <a:rPr lang="en-US" sz="1800" dirty="0" smtClean="0"/>
+              <a:t>Results</a:t>
+            </a:r>
+            <a:endParaRPr lang="en-US" dirty="0" smtClean="0"/>
+          </a:p>
+          <a:p>
+            <a:pPr marL="742950" lvl="1" indent="-285750">
+              <a:lnSpc>
+                <a:spcPct val="200000"/>
+              </a:lnSpc>
+              <a:buFont typeface="Wingdings" charset="2"/>
+              <a:buChar char="§"/>
+            </a:pPr>
+            <a:r>
+              <a:rPr lang="en-US" sz="1600" dirty="0">
+                <a:solidFill>
+                  <a:schemeClr val="bg1"/>
+                </a:solidFill>
+              </a:rPr>
+              <a:t>B</a:t>
+            </a:r>
+            <a:r>
+              <a:rPr lang="en-US" sz="1600" dirty="0" smtClean="0">
+                <a:solidFill>
+                  <a:schemeClr val="bg1"/>
+                </a:solidFill>
+              </a:rPr>
+              <a:t>ar plots of monthly and yearly violation count</a:t>
+            </a:r>
+          </a:p>
+          <a:p>
+            <a:pPr marL="285750" indent="-285750">
+              <a:lnSpc>
+                <a:spcPct val="200000"/>
+              </a:lnSpc>
+              <a:buFont typeface="Wingdings" charset="2"/>
+              <a:buChar char="§"/>
+            </a:pPr>
+            <a:r>
+              <a:rPr lang="en-US" sz="1800" dirty="0" smtClean="0"/>
+              <a:t>Interpretation</a:t>
+            </a:r>
+            <a:endParaRPr lang="en-US" dirty="0"/>
+          </a:p>
+        </p:txBody>
+      </p:sp>
     </p:spTree>
     <p:extLst>
       <p:ext uri="{BB962C8B-B14F-4D97-AF65-F5344CB8AC3E}">
-        <p14:creationId xmlns:p14="http://schemas.microsoft.com/office/powerpoint/2010/main" xmlns="" val="628257755"/>
+        <p14:creationId xmlns:p14="http://schemas.microsoft.com/office/powerpoint/2010/main" val="628257755"/>
       </p:ext>
     </p:extLst>
   </p:cSld>
@@ -6455,7 +6587,7 @@
     </a:clrScheme>
     <a:fontScheme name="Retrospect">
       <a:majorFont>
-        <a:latin typeface="Calibri Light"/>
+        <a:latin typeface="Calibri Light" panose="020F0302020204030204"/>
         <a:ea typeface=""/>
         <a:cs typeface=""/>
         <a:font script="Jpan" typeface="ＭＳ Ｐゴシック"/>
@@ -6490,7 +6622,7 @@
         <a:font script="Geor" typeface="Sylfaen"/>
       </a:majorFont>
       <a:minorFont>
-        <a:latin typeface="Calibri"/>
+        <a:latin typeface="Calibri" panose="020F0502020204030204"/>
         <a:ea typeface=""/>
         <a:cs typeface=""/>
         <a:font script="Jpan" typeface="ＭＳ Ｐゴシック"/>
@@ -6689,7 +6821,7 @@
   <a:extraClrSchemeLst/>
   <a:extLst>
     <a:ext uri="{05A4C25C-085E-4340-85A3-A5531E510DB2}">
-      <thm15:themeFamily xmlns:thm15="http://schemas.microsoft.com/office/thememl/2012/main" xmlns="" name="Retrospect" id="{5F128B03-DCCA-4EEB-AB3B-CF2899314A46}" vid="{9CC26709-368C-4D72-9060-94E5B3FF3CD6}"/>
+      <thm15:themeFamily xmlns:thm15="http://schemas.microsoft.com/office/thememl/2012/main" name="Retrospect" id="{5F128B03-DCCA-4EEB-AB3B-CF2899314A46}" vid="{9CC26709-368C-4D72-9060-94E5B3FF3CD6}"/>
     </a:ext>
   </a:extLst>
 </a:theme>
